--- a/Prezentacija projekta/Prezentacija.pptx
+++ b/Prezentacija projekta/Prezentacija.pptx
@@ -5,7 +5,7 @@
     <p:sldMasterId id="2147483648" r:id="rId4"/>
   </p:sldMasterIdLst>
   <p:notesMasterIdLst>
-    <p:notesMasterId r:id="rId12"/>
+    <p:notesMasterId r:id="rId18"/>
   </p:notesMasterIdLst>
   <p:sldIdLst>
     <p:sldId id="256" r:id="rId5"/>
@@ -15,6 +15,12 @@
     <p:sldId id="282" r:id="rId9"/>
     <p:sldId id="283" r:id="rId10"/>
     <p:sldId id="284" r:id="rId11"/>
+    <p:sldId id="285" r:id="rId12"/>
+    <p:sldId id="286" r:id="rId13"/>
+    <p:sldId id="288" r:id="rId14"/>
+    <p:sldId id="287" r:id="rId15"/>
+    <p:sldId id="289" r:id="rId16"/>
+    <p:sldId id="290" r:id="rId17"/>
   </p:sldIdLst>
   <p:sldSz cx="12192000" cy="6858000"/>
   <p:notesSz cx="6858000" cy="9144000"/>
@@ -121,6 +127,12 @@
 </p:presentation>
 </file>
 
+<file path=ppt/commentAuthors.xml><?xml version="1.0" encoding="utf-8"?>
+<p:cmAuthorLst xmlns:a="http://schemas.openxmlformats.org/drawingml/2006/main" xmlns:r="http://schemas.openxmlformats.org/officeDocument/2006/relationships" xmlns:p="http://schemas.openxmlformats.org/presentationml/2006/main">
+  <p:cmAuthor id="2" name="Author" initials="A" lastIdx="0" clrIdx="1"/>
+</p:cmAuthorLst>
+</file>
+
 <file path=ppt/notesMasters/notesMaster1.xml><?xml version="1.0" encoding="utf-8"?>
 <p:notesMaster xmlns:a="http://schemas.openxmlformats.org/drawingml/2006/main" xmlns:r="http://schemas.openxmlformats.org/officeDocument/2006/relationships" xmlns:p="http://schemas.openxmlformats.org/presentationml/2006/main">
   <p:cSld>
@@ -203,7 +215,7 @@
           <a:p>
             <a:fld id="{C452ADB1-275D-430A-89EE-5C7E6CFF6FF2}" type="datetimeFigureOut">
               <a:rPr lang="en-US" smtClean="0"/>
-              <a:t>6/28/2022</a:t>
+              <a:t>6/29/2022</a:t>
             </a:fld>
             <a:endParaRPr lang="en-US" dirty="0"/>
           </a:p>
@@ -9263,7 +9275,7 @@
           <a:p>
             <a:fld id="{7005E26E-BCB2-4FD5-8FD5-81A5EAE94C21}" type="datetime1">
               <a:rPr lang="en-US" smtClean="0"/>
-              <a:t>6/28/2022</a:t>
+              <a:t>6/29/2022</a:t>
             </a:fld>
             <a:endParaRPr lang="en-US" dirty="0"/>
           </a:p>
@@ -9465,7 +9477,7 @@
           <a:p>
             <a:fld id="{9CC2E9B8-0487-42E4-B571-744A3D775783}" type="datetime1">
               <a:rPr lang="en-US" smtClean="0"/>
-              <a:t>6/28/2022</a:t>
+              <a:t>6/29/2022</a:t>
             </a:fld>
             <a:endParaRPr lang="en-US" dirty="0"/>
           </a:p>
@@ -9640,7 +9652,7 @@
           <a:p>
             <a:fld id="{9052E32D-1E84-43FD-8158-FFFE757EB0E8}" type="datetime1">
               <a:rPr lang="en-US" smtClean="0"/>
-              <a:t>6/28/2022</a:t>
+              <a:t>6/29/2022</a:t>
             </a:fld>
             <a:endParaRPr lang="en-US" dirty="0"/>
           </a:p>
@@ -9840,7 +9852,7 @@
           <a:p>
             <a:fld id="{8585C470-CD19-455C-B830-6D252EAD7FE5}" type="datetime1">
               <a:rPr lang="en-US" smtClean="0"/>
-              <a:t>6/28/2022</a:t>
+              <a:t>6/29/2022</a:t>
             </a:fld>
             <a:endParaRPr lang="en-US" dirty="0"/>
           </a:p>
@@ -18733,7 +18745,7 @@
           <a:p>
             <a:fld id="{7F85C43C-50D9-4F49-A136-0EFF292F93ED}" type="datetime1">
               <a:rPr lang="en-US" smtClean="0"/>
-              <a:t>6/28/2022</a:t>
+              <a:t>6/29/2022</a:t>
             </a:fld>
             <a:endParaRPr lang="en-US" dirty="0"/>
           </a:p>
@@ -19002,7 +19014,7 @@
           <a:p>
             <a:fld id="{7B53B1A3-0AEF-4064-A724-D27D660C8653}" type="datetime1">
               <a:rPr lang="en-US" smtClean="0"/>
-              <a:t>6/28/2022</a:t>
+              <a:t>6/29/2022</a:t>
             </a:fld>
             <a:endParaRPr lang="en-US" dirty="0"/>
           </a:p>
@@ -19395,7 +19407,7 @@
           <a:p>
             <a:fld id="{37D5D0F2-BF66-4A24-9384-A0129B196518}" type="datetime1">
               <a:rPr lang="en-US" smtClean="0"/>
-              <a:t>6/28/2022</a:t>
+              <a:t>6/29/2022</a:t>
             </a:fld>
             <a:endParaRPr lang="en-US" dirty="0"/>
           </a:p>
@@ -19508,7 +19520,7 @@
           <a:p>
             <a:fld id="{8C318A6C-4F6B-48D2-BDB0-D7413B3FDB0A}" type="datetime1">
               <a:rPr lang="en-US" smtClean="0"/>
-              <a:t>6/28/2022</a:t>
+              <a:t>6/29/2022</a:t>
             </a:fld>
             <a:endParaRPr lang="en-US" dirty="0"/>
           </a:p>
@@ -19598,7 +19610,7 @@
           <a:p>
             <a:fld id="{BF01ECED-6ECE-4989-B917-9D4D7E6D3C76}" type="datetime1">
               <a:rPr lang="en-US" smtClean="0"/>
-              <a:t>6/28/2022</a:t>
+              <a:t>6/29/2022</a:t>
             </a:fld>
             <a:endParaRPr lang="en-US" dirty="0"/>
           </a:p>
@@ -19883,7 +19895,7 @@
           <a:p>
             <a:fld id="{E3B570E1-CB40-488E-8C6F-EF4211DFFCB0}" type="datetime1">
               <a:rPr lang="en-US" smtClean="0"/>
-              <a:t>6/28/2022</a:t>
+              <a:t>6/29/2022</a:t>
             </a:fld>
             <a:endParaRPr lang="en-US" dirty="0"/>
           </a:p>
@@ -20158,7 +20170,7 @@
           <a:p>
             <a:fld id="{D1CEB6AF-9F5C-43BE-879E-CB9514111250}" type="datetime1">
               <a:rPr lang="en-US" smtClean="0"/>
-              <a:t>6/28/2022</a:t>
+              <a:t>6/29/2022</a:t>
             </a:fld>
             <a:endParaRPr lang="en-US" dirty="0"/>
           </a:p>
@@ -20403,7 +20415,7 @@
           <a:p>
             <a:fld id="{E7EE424C-FCA3-4EDD-B274-8E055D649B7D}" type="datetime1">
               <a:rPr lang="en-US" smtClean="0"/>
-              <a:t>6/28/2022</a:t>
+              <a:t>6/29/2022</a:t>
             </a:fld>
             <a:endParaRPr lang="en-US" dirty="0"/>
           </a:p>
@@ -21287,6 +21299,361 @@
 </p:sld>
 </file>
 
+<file path=ppt/slides/slide10.xml><?xml version="1.0" encoding="utf-8"?>
+<p:sld xmlns:a="http://schemas.openxmlformats.org/drawingml/2006/main" xmlns:r="http://schemas.openxmlformats.org/officeDocument/2006/relationships" xmlns:p="http://schemas.openxmlformats.org/presentationml/2006/main">
+  <p:cSld>
+    <p:spTree>
+      <p:nvGrpSpPr>
+        <p:cNvPr id="1" name=""/>
+        <p:cNvGrpSpPr/>
+        <p:nvPr/>
+      </p:nvGrpSpPr>
+      <p:grpSpPr>
+        <a:xfrm>
+          <a:off x="0" y="0"/>
+          <a:ext cx="0" cy="0"/>
+          <a:chOff x="0" y="0"/>
+          <a:chExt cx="0" cy="0"/>
+        </a:xfrm>
+      </p:grpSpPr>
+      <p:sp>
+        <p:nvSpPr>
+          <p:cNvPr id="2" name="Title 1">
+            <a:extLst>
+              <a:ext uri="{FF2B5EF4-FFF2-40B4-BE49-F238E27FC236}">
+                <a16:creationId xmlns:a16="http://schemas.microsoft.com/office/drawing/2014/main" id="{F3A25CDD-A659-45FA-AB3B-70483B54C47C}"/>
+              </a:ext>
+            </a:extLst>
+          </p:cNvPr>
+          <p:cNvSpPr>
+            <a:spLocks noGrp="1"/>
+          </p:cNvSpPr>
+          <p:nvPr>
+            <p:ph type="title"/>
+          </p:nvPr>
+        </p:nvSpPr>
+        <p:spPr>
+          <a:xfrm>
+            <a:off x="1024128" y="585216"/>
+            <a:ext cx="9720072" cy="1499616"/>
+          </a:xfrm>
+        </p:spPr>
+        <p:txBody>
+          <a:bodyPr/>
+          <a:lstStyle/>
+          <a:p>
+            <a:r>
+              <a:rPr lang="en-US" cap="none" dirty="0" err="1"/>
+              <a:t>gRPC</a:t>
+            </a:r>
+            <a:endParaRPr lang="en-US" dirty="0"/>
+          </a:p>
+        </p:txBody>
+      </p:sp>
+      <p:pic>
+        <p:nvPicPr>
+          <p:cNvPr id="4" name="Content Placeholder 3">
+            <a:extLst>
+              <a:ext uri="{FF2B5EF4-FFF2-40B4-BE49-F238E27FC236}">
+                <a16:creationId xmlns:a16="http://schemas.microsoft.com/office/drawing/2014/main" id="{B1CE2F75-9E91-4C65-8470-D59AA9791D58}"/>
+              </a:ext>
+            </a:extLst>
+          </p:cNvPr>
+          <p:cNvPicPr>
+            <a:picLocks noGrp="1" noChangeAspect="1"/>
+          </p:cNvPicPr>
+          <p:nvPr>
+            <p:ph idx="1"/>
+          </p:nvPr>
+        </p:nvPicPr>
+        <p:blipFill>
+          <a:blip r:embed="rId2"/>
+          <a:stretch>
+            <a:fillRect/>
+          </a:stretch>
+        </p:blipFill>
+        <p:spPr>
+          <a:xfrm>
+            <a:off x="958788" y="2244239"/>
+            <a:ext cx="7856738" cy="4021772"/>
+          </a:xfrm>
+          <a:prstGeom prst="rect">
+            <a:avLst/>
+          </a:prstGeom>
+        </p:spPr>
+      </p:pic>
+    </p:spTree>
+    <p:extLst>
+      <p:ext uri="{BB962C8B-B14F-4D97-AF65-F5344CB8AC3E}">
+        <p14:creationId xmlns:p14="http://schemas.microsoft.com/office/powerpoint/2010/main" val="1914194919"/>
+      </p:ext>
+    </p:extLst>
+  </p:cSld>
+  <p:clrMapOvr>
+    <a:masterClrMapping/>
+  </p:clrMapOvr>
+</p:sld>
+</file>
+
+<file path=ppt/slides/slide11.xml><?xml version="1.0" encoding="utf-8"?>
+<p:sld xmlns:a="http://schemas.openxmlformats.org/drawingml/2006/main" xmlns:r="http://schemas.openxmlformats.org/officeDocument/2006/relationships" xmlns:p="http://schemas.openxmlformats.org/presentationml/2006/main">
+  <p:cSld>
+    <p:spTree>
+      <p:nvGrpSpPr>
+        <p:cNvPr id="1" name=""/>
+        <p:cNvGrpSpPr/>
+        <p:nvPr/>
+      </p:nvGrpSpPr>
+      <p:grpSpPr>
+        <a:xfrm>
+          <a:off x="0" y="0"/>
+          <a:ext cx="0" cy="0"/>
+          <a:chOff x="0" y="0"/>
+          <a:chExt cx="0" cy="0"/>
+        </a:xfrm>
+      </p:grpSpPr>
+      <p:sp>
+        <p:nvSpPr>
+          <p:cNvPr id="2" name="Title 1">
+            <a:extLst>
+              <a:ext uri="{FF2B5EF4-FFF2-40B4-BE49-F238E27FC236}">
+                <a16:creationId xmlns:a16="http://schemas.microsoft.com/office/drawing/2014/main" id="{CC3AD90B-2833-49A5-91DA-A1AA4CCA1A09}"/>
+              </a:ext>
+            </a:extLst>
+          </p:cNvPr>
+          <p:cNvSpPr>
+            <a:spLocks noGrp="1"/>
+          </p:cNvSpPr>
+          <p:nvPr>
+            <p:ph type="title"/>
+          </p:nvPr>
+        </p:nvSpPr>
+        <p:spPr>
+          <a:xfrm>
+            <a:off x="1024127" y="576338"/>
+            <a:ext cx="9720072" cy="1499616"/>
+          </a:xfrm>
+        </p:spPr>
+        <p:txBody>
+          <a:bodyPr/>
+          <a:lstStyle/>
+          <a:p>
+            <a:r>
+              <a:rPr lang="sr-Latn-RS" dirty="0"/>
+              <a:t>ARHITEKTURA PROJEKTA</a:t>
+            </a:r>
+            <a:endParaRPr lang="en-US" dirty="0"/>
+          </a:p>
+        </p:txBody>
+      </p:sp>
+      <p:pic>
+        <p:nvPicPr>
+          <p:cNvPr id="4" name="Content Placeholder 3">
+            <a:extLst>
+              <a:ext uri="{FF2B5EF4-FFF2-40B4-BE49-F238E27FC236}">
+                <a16:creationId xmlns:a16="http://schemas.microsoft.com/office/drawing/2014/main" id="{9C934045-AEEE-4320-95B0-E79861C29073}"/>
+              </a:ext>
+            </a:extLst>
+          </p:cNvPr>
+          <p:cNvPicPr>
+            <a:picLocks noGrp="1" noChangeAspect="1"/>
+          </p:cNvPicPr>
+          <p:nvPr>
+            <p:ph idx="1"/>
+          </p:nvPr>
+        </p:nvPicPr>
+        <p:blipFill>
+          <a:blip r:embed="rId2"/>
+          <a:stretch>
+            <a:fillRect/>
+          </a:stretch>
+        </p:blipFill>
+        <p:spPr>
+          <a:xfrm>
+            <a:off x="2503273" y="1673383"/>
+            <a:ext cx="7040222" cy="4804146"/>
+          </a:xfrm>
+          <a:prstGeom prst="rect">
+            <a:avLst/>
+          </a:prstGeom>
+        </p:spPr>
+      </p:pic>
+    </p:spTree>
+    <p:extLst>
+      <p:ext uri="{BB962C8B-B14F-4D97-AF65-F5344CB8AC3E}">
+        <p14:creationId xmlns:p14="http://schemas.microsoft.com/office/powerpoint/2010/main" val="731987588"/>
+      </p:ext>
+    </p:extLst>
+  </p:cSld>
+  <p:clrMapOvr>
+    <a:masterClrMapping/>
+  </p:clrMapOvr>
+</p:sld>
+</file>
+
+<file path=ppt/slides/slide12.xml><?xml version="1.0" encoding="utf-8"?>
+<p:sld xmlns:a="http://schemas.openxmlformats.org/drawingml/2006/main" xmlns:r="http://schemas.openxmlformats.org/officeDocument/2006/relationships" xmlns:p="http://schemas.openxmlformats.org/presentationml/2006/main">
+  <p:cSld>
+    <p:spTree>
+      <p:nvGrpSpPr>
+        <p:cNvPr id="1" name=""/>
+        <p:cNvGrpSpPr/>
+        <p:nvPr/>
+      </p:nvGrpSpPr>
+      <p:grpSpPr>
+        <a:xfrm>
+          <a:off x="0" y="0"/>
+          <a:ext cx="0" cy="0"/>
+          <a:chOff x="0" y="0"/>
+          <a:chExt cx="0" cy="0"/>
+        </a:xfrm>
+      </p:grpSpPr>
+      <p:sp>
+        <p:nvSpPr>
+          <p:cNvPr id="2" name="Title 1">
+            <a:extLst>
+              <a:ext uri="{FF2B5EF4-FFF2-40B4-BE49-F238E27FC236}">
+                <a16:creationId xmlns:a16="http://schemas.microsoft.com/office/drawing/2014/main" id="{C8DEC410-785A-4771-877D-098C3ABA30B8}"/>
+              </a:ext>
+            </a:extLst>
+          </p:cNvPr>
+          <p:cNvSpPr>
+            <a:spLocks noGrp="1"/>
+          </p:cNvSpPr>
+          <p:nvPr>
+            <p:ph type="ctrTitle"/>
+          </p:nvPr>
+        </p:nvSpPr>
+        <p:spPr/>
+        <p:txBody>
+          <a:bodyPr/>
+          <a:lstStyle/>
+          <a:p>
+            <a:r>
+              <a:rPr lang="en-US" dirty="0"/>
+              <a:t>III PROJEKAT</a:t>
+            </a:r>
+          </a:p>
+        </p:txBody>
+      </p:sp>
+    </p:spTree>
+    <p:extLst>
+      <p:ext uri="{BB962C8B-B14F-4D97-AF65-F5344CB8AC3E}">
+        <p14:creationId xmlns:p14="http://schemas.microsoft.com/office/powerpoint/2010/main" val="1567749959"/>
+      </p:ext>
+    </p:extLst>
+  </p:cSld>
+  <p:clrMapOvr>
+    <a:masterClrMapping/>
+  </p:clrMapOvr>
+</p:sld>
+</file>
+
+<file path=ppt/slides/slide13.xml><?xml version="1.0" encoding="utf-8"?>
+<p:sld xmlns:a="http://schemas.openxmlformats.org/drawingml/2006/main" xmlns:r="http://schemas.openxmlformats.org/officeDocument/2006/relationships" xmlns:p="http://schemas.openxmlformats.org/presentationml/2006/main">
+  <p:cSld>
+    <p:spTree>
+      <p:nvGrpSpPr>
+        <p:cNvPr id="1" name=""/>
+        <p:cNvGrpSpPr/>
+        <p:nvPr/>
+      </p:nvGrpSpPr>
+      <p:grpSpPr>
+        <a:xfrm>
+          <a:off x="0" y="0"/>
+          <a:ext cx="0" cy="0"/>
+          <a:chOff x="0" y="0"/>
+          <a:chExt cx="0" cy="0"/>
+        </a:xfrm>
+      </p:grpSpPr>
+      <p:sp>
+        <p:nvSpPr>
+          <p:cNvPr id="2" name="Title 1">
+            <a:extLst>
+              <a:ext uri="{FF2B5EF4-FFF2-40B4-BE49-F238E27FC236}">
+                <a16:creationId xmlns:a16="http://schemas.microsoft.com/office/drawing/2014/main" id="{4CF47449-4C75-4440-86CB-71290930F503}"/>
+              </a:ext>
+            </a:extLst>
+          </p:cNvPr>
+          <p:cNvSpPr>
+            <a:spLocks noGrp="1"/>
+          </p:cNvSpPr>
+          <p:nvPr>
+            <p:ph type="title"/>
+          </p:nvPr>
+        </p:nvSpPr>
+        <p:spPr/>
+        <p:txBody>
+          <a:bodyPr/>
+          <a:lstStyle/>
+          <a:p>
+            <a:r>
+              <a:rPr lang="en-US" dirty="0"/>
+              <a:t>MIKROSERVISI</a:t>
+            </a:r>
+          </a:p>
+        </p:txBody>
+      </p:sp>
+      <p:sp>
+        <p:nvSpPr>
+          <p:cNvPr id="3" name="Content Placeholder 2">
+            <a:extLst>
+              <a:ext uri="{FF2B5EF4-FFF2-40B4-BE49-F238E27FC236}">
+                <a16:creationId xmlns:a16="http://schemas.microsoft.com/office/drawing/2014/main" id="{B0C71D0F-9C5F-4EE4-B27C-FF53DC3E878B}"/>
+              </a:ext>
+            </a:extLst>
+          </p:cNvPr>
+          <p:cNvSpPr>
+            <a:spLocks noGrp="1"/>
+          </p:cNvSpPr>
+          <p:nvPr>
+            <p:ph idx="1"/>
+          </p:nvPr>
+        </p:nvSpPr>
+        <p:spPr/>
+        <p:txBody>
+          <a:bodyPr/>
+          <a:lstStyle/>
+          <a:p>
+            <a:r>
+              <a:rPr lang="en-US" dirty="0">
+                <a:hlinkClick r:id="rId2"/>
+              </a:rPr>
+              <a:t>https://www.kaggle.com/datasets/hmavrodiev/sofia-air-quality-dataset?resource=download</a:t>
+            </a:r>
+            <a:r>
+              <a:rPr lang="en-US" dirty="0"/>
+              <a:t> </a:t>
+            </a:r>
+            <a:r>
+              <a:rPr lang="en-US" dirty="0" err="1"/>
+              <a:t>senzorski</a:t>
+            </a:r>
+            <a:r>
+              <a:rPr lang="en-US" dirty="0"/>
+              <a:t> </a:t>
+            </a:r>
+            <a:r>
+              <a:rPr lang="en-US"/>
+              <a:t>podacis</a:t>
+            </a:r>
+            <a:endParaRPr lang="en-US" dirty="0"/>
+          </a:p>
+        </p:txBody>
+      </p:sp>
+    </p:spTree>
+    <p:extLst>
+      <p:ext uri="{BB962C8B-B14F-4D97-AF65-F5344CB8AC3E}">
+        <p14:creationId xmlns:p14="http://schemas.microsoft.com/office/powerpoint/2010/main" val="464851320"/>
+      </p:ext>
+    </p:extLst>
+  </p:cSld>
+  <p:clrMapOvr>
+    <a:masterClrMapping/>
+  </p:clrMapOvr>
+</p:sld>
+</file>
+
 <file path=ppt/slides/slide2.xml><?xml version="1.0" encoding="utf-8"?>
 <p:sld xmlns:a="http://schemas.openxmlformats.org/drawingml/2006/main" xmlns:r="http://schemas.openxmlformats.org/officeDocument/2006/relationships" xmlns:p="http://schemas.openxmlformats.org/presentationml/2006/main">
   <p:cSld>
@@ -21429,7 +21796,19 @@
             </a:pPr>
             <a:r>
               <a:rPr lang="sr-Latn-RS" dirty="0"/>
-              <a:t>  Svi servisi pokrenuti su u kontejneru, uz pomoć docker-compose </a:t>
+              <a:t>  Svi servisi </a:t>
+            </a:r>
+            <a:r>
+              <a:rPr lang="en-US" dirty="0"/>
+              <a:t>se </a:t>
+            </a:r>
+            <a:r>
+              <a:rPr lang="en-US" dirty="0" err="1"/>
+              <a:t>izvr</a:t>
+            </a:r>
+            <a:r>
+              <a:rPr lang="sr-Latn-RS" dirty="0"/>
+              <a:t>šavaju u kontejnerima</a:t>
             </a:r>
           </a:p>
           <a:p>
@@ -21443,7 +21822,15 @@
             </a:r>
             <a:r>
               <a:rPr lang="sr-Latn-RS" dirty="0"/>
-              <a:t> je pisan u .NET framework-u</a:t>
+              <a:t> je pisan u .NET </a:t>
+            </a:r>
+            <a:r>
+              <a:rPr lang="en-US" dirty="0"/>
+              <a:t>Core </a:t>
+            </a:r>
+            <a:r>
+              <a:rPr lang="sr-Latn-RS" dirty="0"/>
+              <a:t>framework-u</a:t>
             </a:r>
           </a:p>
           <a:p>
@@ -21598,7 +21985,15 @@
             </a:pPr>
             <a:r>
               <a:rPr lang="sr-Latn-RS" dirty="0"/>
-              <a:t> DatabaseService upisuje podatke u lokanu bazu podataka. Kao lokalna NoSQL baza korišćen je MongoDB.</a:t>
+              <a:t> </a:t>
+            </a:r>
+            <a:r>
+              <a:rPr lang="sr-Latn-RS" i="1" dirty="0"/>
+              <a:t>DatabaseService</a:t>
+            </a:r>
+            <a:r>
+              <a:rPr lang="sr-Latn-RS" dirty="0"/>
+              <a:t> upisuje podatke u lokanu bazu podataka. Kao lokalna NoSQL baza korišćen je MongoDB.</a:t>
             </a:r>
           </a:p>
           <a:p>
@@ -21806,8 +22201,8 @@
         </p:blipFill>
         <p:spPr>
           <a:xfrm>
-            <a:off x="3176802" y="1643038"/>
-            <a:ext cx="6390845" cy="5046975"/>
+            <a:off x="3176802" y="1584992"/>
+            <a:ext cx="6464348" cy="5105022"/>
           </a:xfrm>
           <a:prstGeom prst="rect">
             <a:avLst/>
@@ -21909,6 +22304,529 @@
     <p:extLst>
       <p:ext uri="{BB962C8B-B14F-4D97-AF65-F5344CB8AC3E}">
         <p14:creationId xmlns:p14="http://schemas.microsoft.com/office/powerpoint/2010/main" val="1791464461"/>
+      </p:ext>
+    </p:extLst>
+  </p:cSld>
+  <p:clrMapOvr>
+    <a:masterClrMapping/>
+  </p:clrMapOvr>
+</p:sld>
+</file>
+
+<file path=ppt/slides/slide8.xml><?xml version="1.0" encoding="utf-8"?>
+<p:sld xmlns:a="http://schemas.openxmlformats.org/drawingml/2006/main" xmlns:r="http://schemas.openxmlformats.org/officeDocument/2006/relationships" xmlns:p="http://schemas.openxmlformats.org/presentationml/2006/main">
+  <p:cSld>
+    <p:spTree>
+      <p:nvGrpSpPr>
+        <p:cNvPr id="1" name=""/>
+        <p:cNvGrpSpPr/>
+        <p:nvPr/>
+      </p:nvGrpSpPr>
+      <p:grpSpPr>
+        <a:xfrm>
+          <a:off x="0" y="0"/>
+          <a:ext cx="0" cy="0"/>
+          <a:chOff x="0" y="0"/>
+          <a:chExt cx="0" cy="0"/>
+        </a:xfrm>
+      </p:grpSpPr>
+      <p:sp>
+        <p:nvSpPr>
+          <p:cNvPr id="2" name="Title 1">
+            <a:extLst>
+              <a:ext uri="{FF2B5EF4-FFF2-40B4-BE49-F238E27FC236}">
+                <a16:creationId xmlns:a16="http://schemas.microsoft.com/office/drawing/2014/main" id="{894F032C-A10C-4632-930F-7A29EB571227}"/>
+              </a:ext>
+            </a:extLst>
+          </p:cNvPr>
+          <p:cNvSpPr>
+            <a:spLocks noGrp="1"/>
+          </p:cNvSpPr>
+          <p:nvPr>
+            <p:ph type="title"/>
+          </p:nvPr>
+        </p:nvSpPr>
+        <p:spPr/>
+        <p:txBody>
+          <a:bodyPr/>
+          <a:lstStyle/>
+          <a:p>
+            <a:r>
+              <a:rPr lang="en-US" dirty="0" err="1"/>
+              <a:t>mikroservisi</a:t>
+            </a:r>
+            <a:endParaRPr lang="en-US" dirty="0"/>
+          </a:p>
+        </p:txBody>
+      </p:sp>
+      <p:sp>
+        <p:nvSpPr>
+          <p:cNvPr id="3" name="Content Placeholder 2">
+            <a:extLst>
+              <a:ext uri="{FF2B5EF4-FFF2-40B4-BE49-F238E27FC236}">
+                <a16:creationId xmlns:a16="http://schemas.microsoft.com/office/drawing/2014/main" id="{3C8B8876-C8E4-44CA-87DA-4D57FC5FDF41}"/>
+              </a:ext>
+            </a:extLst>
+          </p:cNvPr>
+          <p:cNvSpPr>
+            <a:spLocks noGrp="1"/>
+          </p:cNvSpPr>
+          <p:nvPr>
+            <p:ph idx="1"/>
+          </p:nvPr>
+        </p:nvSpPr>
+        <p:spPr>
+          <a:xfrm>
+            <a:off x="1024128" y="2175029"/>
+            <a:ext cx="9939794" cy="4134331"/>
+          </a:xfrm>
+        </p:spPr>
+        <p:txBody>
+          <a:bodyPr>
+            <a:normAutofit/>
+          </a:bodyPr>
+          <a:lstStyle/>
+          <a:p>
+            <a:pPr>
+              <a:buFont typeface="Wingdings" panose="05000000000000000000" pitchFamily="2" charset="2"/>
+              <a:buChar char="Ø"/>
+            </a:pPr>
+            <a:r>
+              <a:rPr lang="en-US" dirty="0"/>
+              <a:t> </a:t>
+            </a:r>
+            <a:r>
+              <a:rPr lang="sr-Latn-RS" dirty="0"/>
+              <a:t>Svi servisi </a:t>
+            </a:r>
+            <a:r>
+              <a:rPr lang="en-US" dirty="0"/>
+              <a:t>se </a:t>
+            </a:r>
+            <a:r>
+              <a:rPr lang="en-US" dirty="0" err="1"/>
+              <a:t>izvr</a:t>
+            </a:r>
+            <a:r>
+              <a:rPr lang="sr-Latn-RS" dirty="0"/>
+              <a:t>šavaju u kontejnerima</a:t>
+            </a:r>
+          </a:p>
+          <a:p>
+            <a:pPr>
+              <a:buFont typeface="Wingdings" panose="05000000000000000000" pitchFamily="2" charset="2"/>
+              <a:buChar char="Ø"/>
+            </a:pPr>
+            <a:r>
+              <a:rPr lang="sr-Latn-RS" i="1" dirty="0"/>
+              <a:t> </a:t>
+            </a:r>
+            <a:r>
+              <a:rPr lang="en-US" i="1" dirty="0" err="1"/>
+              <a:t>Analitycs</a:t>
+            </a:r>
+            <a:r>
+              <a:rPr lang="sr-Latn-RS" i="1" dirty="0"/>
+              <a:t>Service</a:t>
+            </a:r>
+            <a:r>
+              <a:rPr lang="sr-Latn-RS" dirty="0"/>
+              <a:t> je pisan u .NET Core framework-u</a:t>
+            </a:r>
+          </a:p>
+          <a:p>
+            <a:pPr>
+              <a:buFont typeface="Wingdings" panose="05000000000000000000" pitchFamily="2" charset="2"/>
+              <a:buChar char="Ø"/>
+            </a:pPr>
+            <a:r>
+              <a:rPr lang="en-US" i="1" dirty="0"/>
+              <a:t> Notification</a:t>
+            </a:r>
+            <a:r>
+              <a:rPr lang="sr-Latn-RS" i="1" dirty="0"/>
+              <a:t>Service</a:t>
+            </a:r>
+            <a:r>
+              <a:rPr lang="sr-Latn-RS" dirty="0"/>
+              <a:t> je pisan u node.js framework-u</a:t>
+            </a:r>
+            <a:endParaRPr lang="en-US" dirty="0"/>
+          </a:p>
+          <a:p>
+            <a:pPr>
+              <a:buFont typeface="Wingdings" panose="05000000000000000000" pitchFamily="2" charset="2"/>
+              <a:buChar char="Ø"/>
+            </a:pPr>
+            <a:r>
+              <a:rPr lang="en-US" dirty="0"/>
+              <a:t> </a:t>
+            </a:r>
+            <a:r>
+              <a:rPr lang="sr-Latn-RS" dirty="0"/>
+              <a:t>Za potrebe analiziranja podataka značajnih za domen aplikacije, kreirana je pomoćna aplikacija u node.js-u koja učitava podatke iz novog data seta koji sadrži podatke o trajanju odvoženog kruga u milisekundama (za svaku trku i svakog vozača)</a:t>
+            </a:r>
+            <a:endParaRPr lang="en-US" dirty="0"/>
+          </a:p>
+          <a:p>
+            <a:pPr>
+              <a:buFont typeface="Wingdings" panose="05000000000000000000" pitchFamily="2" charset="2"/>
+              <a:buChar char="Ø"/>
+            </a:pPr>
+            <a:r>
+              <a:rPr lang="en-US" dirty="0">
+                <a:hlinkClick r:id="rId2"/>
+              </a:rPr>
+              <a:t> </a:t>
+            </a:r>
+            <a:r>
+              <a:rPr lang="sr-Latn-RS" dirty="0">
+                <a:hlinkClick r:id="rId2"/>
+              </a:rPr>
+              <a:t>https://www.kaggle.com/datasets/cjgdev/formula-1-race-data-19502017?select=lapTimes.csv</a:t>
+            </a:r>
+            <a:endParaRPr lang="sr-Latn-RS" dirty="0"/>
+          </a:p>
+          <a:p>
+            <a:pPr marL="0" indent="0">
+              <a:buNone/>
+            </a:pPr>
+            <a:endParaRPr lang="sr-Latn-RS" dirty="0"/>
+          </a:p>
+        </p:txBody>
+      </p:sp>
+    </p:spTree>
+    <p:extLst>
+      <p:ext uri="{BB962C8B-B14F-4D97-AF65-F5344CB8AC3E}">
+        <p14:creationId xmlns:p14="http://schemas.microsoft.com/office/powerpoint/2010/main" val="2266006976"/>
+      </p:ext>
+    </p:extLst>
+  </p:cSld>
+  <p:clrMapOvr>
+    <a:masterClrMapping/>
+  </p:clrMapOvr>
+</p:sld>
+</file>
+
+<file path=ppt/slides/slide9.xml><?xml version="1.0" encoding="utf-8"?>
+<p:sld xmlns:a="http://schemas.openxmlformats.org/drawingml/2006/main" xmlns:r="http://schemas.openxmlformats.org/officeDocument/2006/relationships" xmlns:p="http://schemas.openxmlformats.org/presentationml/2006/main">
+  <p:cSld>
+    <p:spTree>
+      <p:nvGrpSpPr>
+        <p:cNvPr id="1" name=""/>
+        <p:cNvGrpSpPr/>
+        <p:nvPr/>
+      </p:nvGrpSpPr>
+      <p:grpSpPr>
+        <a:xfrm>
+          <a:off x="0" y="0"/>
+          <a:ext cx="0" cy="0"/>
+          <a:chOff x="0" y="0"/>
+          <a:chExt cx="0" cy="0"/>
+        </a:xfrm>
+      </p:grpSpPr>
+      <p:sp>
+        <p:nvSpPr>
+          <p:cNvPr id="2" name="Title 1">
+            <a:extLst>
+              <a:ext uri="{FF2B5EF4-FFF2-40B4-BE49-F238E27FC236}">
+                <a16:creationId xmlns:a16="http://schemas.microsoft.com/office/drawing/2014/main" id="{980290C3-E54E-4FBB-BDB5-932FA638F9CA}"/>
+              </a:ext>
+            </a:extLst>
+          </p:cNvPr>
+          <p:cNvSpPr>
+            <a:spLocks noGrp="1"/>
+          </p:cNvSpPr>
+          <p:nvPr>
+            <p:ph type="title"/>
+          </p:nvPr>
+        </p:nvSpPr>
+        <p:spPr/>
+        <p:txBody>
+          <a:bodyPr/>
+          <a:lstStyle/>
+          <a:p>
+            <a:r>
+              <a:rPr lang="sr-Latn-RS" dirty="0"/>
+              <a:t>Tok podataka</a:t>
+            </a:r>
+            <a:endParaRPr lang="en-US" dirty="0"/>
+          </a:p>
+        </p:txBody>
+      </p:sp>
+      <p:sp>
+        <p:nvSpPr>
+          <p:cNvPr id="3" name="Content Placeholder 2">
+            <a:extLst>
+              <a:ext uri="{FF2B5EF4-FFF2-40B4-BE49-F238E27FC236}">
+                <a16:creationId xmlns:a16="http://schemas.microsoft.com/office/drawing/2014/main" id="{CA1652A7-617A-403C-87AD-82AAED97EAC4}"/>
+              </a:ext>
+            </a:extLst>
+          </p:cNvPr>
+          <p:cNvSpPr>
+            <a:spLocks noGrp="1"/>
+          </p:cNvSpPr>
+          <p:nvPr>
+            <p:ph idx="1"/>
+          </p:nvPr>
+        </p:nvSpPr>
+        <p:spPr/>
+        <p:txBody>
+          <a:bodyPr>
+            <a:normAutofit/>
+          </a:bodyPr>
+          <a:lstStyle/>
+          <a:p>
+            <a:pPr>
+              <a:buFont typeface="Wingdings" panose="05000000000000000000" pitchFamily="2" charset="2"/>
+              <a:buChar char="q"/>
+            </a:pPr>
+            <a:r>
+              <a:rPr lang="sr-Latn-RS" dirty="0"/>
+              <a:t> </a:t>
+            </a:r>
+            <a:r>
+              <a:rPr lang="en-US" dirty="0"/>
+              <a:t>Pomo</a:t>
+            </a:r>
+            <a:r>
+              <a:rPr lang="sr-Latn-RS" dirty="0"/>
+              <a:t>ćna aplikacija poziva POST metodu </a:t>
+            </a:r>
+            <a:r>
+              <a:rPr lang="sr-Latn-RS" i="1" dirty="0"/>
+              <a:t>Gateway</a:t>
+            </a:r>
+            <a:r>
+              <a:rPr lang="sr-Latn-RS" dirty="0"/>
+              <a:t> servisa koji publikuje podatke na MQTT topic </a:t>
+            </a:r>
+            <a:r>
+              <a:rPr lang="en-US" dirty="0"/>
+              <a:t>“lap-data”</a:t>
+            </a:r>
+            <a:r>
+              <a:rPr lang="sr-Latn-RS" dirty="0"/>
+              <a:t> na koji je pretplaćen </a:t>
+            </a:r>
+            <a:r>
+              <a:rPr lang="en-US" i="1" dirty="0"/>
+              <a:t>Analytics</a:t>
+            </a:r>
+            <a:r>
+              <a:rPr lang="en-US" dirty="0"/>
+              <a:t> </a:t>
+            </a:r>
+            <a:r>
+              <a:rPr lang="en-US" dirty="0" err="1"/>
+              <a:t>servis</a:t>
+            </a:r>
+            <a:r>
+              <a:rPr lang="en-US" dirty="0"/>
+              <a:t> </a:t>
+            </a:r>
+          </a:p>
+          <a:p>
+            <a:pPr>
+              <a:buFont typeface="Wingdings" panose="05000000000000000000" pitchFamily="2" charset="2"/>
+              <a:buChar char="q"/>
+            </a:pPr>
+            <a:r>
+              <a:rPr lang="en-US" dirty="0"/>
+              <a:t> </a:t>
+            </a:r>
+            <a:r>
+              <a:rPr lang="en-US" dirty="0" err="1"/>
+              <a:t>Pri</a:t>
+            </a:r>
+            <a:r>
+              <a:rPr lang="en-US" dirty="0"/>
+              <a:t> </a:t>
+            </a:r>
+            <a:r>
+              <a:rPr lang="en-US" dirty="0" err="1"/>
+              <a:t>prijemu</a:t>
+            </a:r>
+            <a:r>
+              <a:rPr lang="en-US" dirty="0"/>
+              <a:t> </a:t>
+            </a:r>
+            <a:r>
+              <a:rPr lang="en-US" dirty="0" err="1"/>
+              <a:t>podat</a:t>
+            </a:r>
+            <a:r>
+              <a:rPr lang="sr-Latn-RS" dirty="0"/>
+              <a:t>ka </a:t>
+            </a:r>
+            <a:r>
+              <a:rPr lang="en-US" dirty="0" err="1"/>
+              <a:t>na</a:t>
+            </a:r>
+            <a:r>
+              <a:rPr lang="en-US" dirty="0"/>
+              <a:t> “lap-data” </a:t>
+            </a:r>
+            <a:r>
+              <a:rPr lang="en-US" dirty="0" err="1"/>
+              <a:t>podaci</a:t>
+            </a:r>
+            <a:r>
+              <a:rPr lang="en-US" dirty="0"/>
+              <a:t> se </a:t>
+            </a:r>
+            <a:r>
+              <a:rPr lang="en-US" dirty="0" err="1"/>
+              <a:t>publikuju</a:t>
+            </a:r>
+            <a:r>
+              <a:rPr lang="en-US" dirty="0"/>
+              <a:t> </a:t>
+            </a:r>
+            <a:r>
+              <a:rPr lang="en-US" dirty="0" err="1"/>
+              <a:t>na</a:t>
+            </a:r>
+            <a:r>
+              <a:rPr lang="en-US" dirty="0"/>
+              <a:t> “</a:t>
+            </a:r>
+            <a:r>
+              <a:rPr lang="en-US" dirty="0" err="1"/>
+              <a:t>ekuiper</a:t>
+            </a:r>
+            <a:r>
+              <a:rPr lang="en-US" dirty="0"/>
+              <a:t>-input”</a:t>
+            </a:r>
+            <a:r>
+              <a:rPr lang="sr-Latn-RS" dirty="0"/>
+              <a:t> na koji je preplaćen </a:t>
+            </a:r>
+            <a:r>
+              <a:rPr lang="sr-Latn-RS" i="1" dirty="0"/>
+              <a:t>eKuiper</a:t>
+            </a:r>
+          </a:p>
+          <a:p>
+            <a:pPr>
+              <a:buFont typeface="Wingdings" panose="05000000000000000000" pitchFamily="2" charset="2"/>
+              <a:buChar char="q"/>
+            </a:pPr>
+            <a:r>
+              <a:rPr lang="sr-Latn-RS" dirty="0"/>
+              <a:t> Pri prijemu podataka na </a:t>
+            </a:r>
+            <a:r>
+              <a:rPr lang="en-US" dirty="0"/>
+              <a:t>“</a:t>
+            </a:r>
+            <a:r>
+              <a:rPr lang="en-US" dirty="0" err="1"/>
+              <a:t>ekuiper</a:t>
+            </a:r>
+            <a:r>
+              <a:rPr lang="en-US" dirty="0"/>
+              <a:t>-input”</a:t>
+            </a:r>
+            <a:r>
+              <a:rPr lang="sr-Latn-RS" dirty="0"/>
+              <a:t> podaci se analiziraju i ako je vreme u milisekundama manje od prethodnog rekorda(inicijalno 115000ms) taj podatak </a:t>
+            </a:r>
+            <a:r>
+              <a:rPr lang="sr-Latn-RS" i="1" dirty="0"/>
+              <a:t>eKuiper</a:t>
+            </a:r>
+            <a:r>
+              <a:rPr lang="sr-Latn-RS" dirty="0"/>
+              <a:t> publikuje na topic </a:t>
+            </a:r>
+            <a:r>
+              <a:rPr lang="en-US" dirty="0"/>
+              <a:t>“</a:t>
+            </a:r>
+            <a:r>
+              <a:rPr lang="en-US" dirty="0" err="1"/>
+              <a:t>ekuiper</a:t>
+            </a:r>
+            <a:r>
+              <a:rPr lang="en-US" dirty="0"/>
+              <a:t>-output”</a:t>
+            </a:r>
+          </a:p>
+          <a:p>
+            <a:pPr>
+              <a:buFont typeface="Wingdings" panose="05000000000000000000" pitchFamily="2" charset="2"/>
+              <a:buChar char="q"/>
+            </a:pPr>
+            <a:r>
+              <a:rPr lang="en-US" dirty="0"/>
+              <a:t> </a:t>
+            </a:r>
+            <a:r>
+              <a:rPr lang="en-US" i="1" dirty="0"/>
+              <a:t>Analytics</a:t>
+            </a:r>
+            <a:r>
+              <a:rPr lang="en-US" dirty="0"/>
+              <a:t> </a:t>
+            </a:r>
+            <a:r>
+              <a:rPr lang="en-US" dirty="0" err="1"/>
+              <a:t>servis</a:t>
+            </a:r>
+            <a:r>
+              <a:rPr lang="en-US" dirty="0"/>
+              <a:t> je </a:t>
+            </a:r>
+            <a:r>
+              <a:rPr lang="en-US" dirty="0" err="1"/>
+              <a:t>tako</a:t>
+            </a:r>
+            <a:r>
+              <a:rPr lang="sr-Latn-RS" dirty="0"/>
+              <a:t>đe preplaćen i na </a:t>
+            </a:r>
+            <a:r>
+              <a:rPr lang="en-US" dirty="0"/>
+              <a:t>“</a:t>
+            </a:r>
+            <a:r>
+              <a:rPr lang="en-US" dirty="0" err="1"/>
+              <a:t>ekuiper</a:t>
+            </a:r>
+            <a:r>
+              <a:rPr lang="en-US" dirty="0"/>
+              <a:t>-output”</a:t>
+            </a:r>
+            <a:r>
+              <a:rPr lang="sr-Latn-RS" dirty="0"/>
+              <a:t> i kada podaci stignu upisuje ih u InfluxDB bazu</a:t>
+            </a:r>
+            <a:r>
+              <a:rPr lang="en-US" dirty="0"/>
+              <a:t>, </a:t>
+            </a:r>
+            <a:r>
+              <a:rPr lang="sr-Latn-RS" dirty="0"/>
+              <a:t>najmanje vreme postavlja za novi rekord i šalje poruku o novom vremenu i id-u vozača koji ga je postigao preko gRPC-a </a:t>
+            </a:r>
+            <a:r>
+              <a:rPr lang="sr-Latn-RS" i="1" dirty="0"/>
+              <a:t>Notification</a:t>
+            </a:r>
+            <a:r>
+              <a:rPr lang="sr-Latn-RS" dirty="0"/>
+              <a:t> servisu</a:t>
+            </a:r>
+            <a:endParaRPr lang="en-US" dirty="0"/>
+          </a:p>
+        </p:txBody>
+      </p:sp>
+    </p:spTree>
+    <p:extLst>
+      <p:ext uri="{BB962C8B-B14F-4D97-AF65-F5344CB8AC3E}">
+        <p14:creationId xmlns:p14="http://schemas.microsoft.com/office/powerpoint/2010/main" val="601825889"/>
       </p:ext>
     </p:extLst>
   </p:cSld>
@@ -22482,23 +23400,6 @@
 </file>
 
 <file path=customXml/item1.xml><?xml version="1.0" encoding="utf-8"?>
-<p:properties xmlns:p="http://schemas.microsoft.com/office/2006/metadata/properties" xmlns:xsi="http://www.w3.org/2001/XMLSchema-instance" xmlns:pc="http://schemas.microsoft.com/office/infopath/2007/PartnerControls">
-  <documentManagement>
-    <MediaServiceKeyPoints xmlns="71af3243-3dd4-4a8d-8c0d-dd76da1f02a5" xsi:nil="true"/>
-  </documentManagement>
-</p:properties>
-</file>
-
-<file path=customXml/item2.xml><?xml version="1.0" encoding="utf-8"?>
-<?mso-contentType ?>
-<FormTemplates xmlns="http://schemas.microsoft.com/sharepoint/v3/contenttype/forms">
-  <Display>DocumentLibraryForm</Display>
-  <Edit>DocumentLibraryForm</Edit>
-  <New>DocumentLibraryForm</New>
-</FormTemplates>
-</file>
-
-<file path=customXml/item3.xml><?xml version="1.0" encoding="utf-8"?>
 <ct:contentTypeSchema xmlns:ct="http://schemas.microsoft.com/office/2006/metadata/contentType" xmlns:ma="http://schemas.microsoft.com/office/2006/metadata/properties/metaAttributes" ct:_="" ma:_="" ma:contentTypeName="Document" ma:contentTypeID="0x01010079F111ED35F8CC479449609E8A0923A6" ma:contentTypeVersion="11" ma:contentTypeDescription="Create a new document." ma:contentTypeScope="" ma:versionID="9677210f24a1be23c92c90fd886aa0aa">
   <xsd:schema xmlns:xsd="http://www.w3.org/2001/XMLSchema" xmlns:xs="http://www.w3.org/2001/XMLSchema" xmlns:p="http://schemas.microsoft.com/office/2006/metadata/properties" xmlns:ns2="71af3243-3dd4-4a8d-8c0d-dd76da1f02a5" xmlns:ns3="16c05727-aa75-4e4a-9b5f-8a80a1165891" targetNamespace="http://schemas.microsoft.com/office/2006/metadata/properties" ma:root="true" ma:fieldsID="60e05723c5c1908df1a1a4ebf11d344e" ns2:_="" ns3:_="">
     <xsd:import namespace="71af3243-3dd4-4a8d-8c0d-dd76da1f02a5"/>
@@ -22709,25 +23610,24 @@
 </ct:contentTypeSchema>
 </file>
 
-<file path=customXml/itemProps1.xml><?xml version="1.0" encoding="utf-8"?>
-<ds:datastoreItem xmlns:ds="http://schemas.openxmlformats.org/officeDocument/2006/customXml" ds:itemID="{788A2F88-55C5-4ED1-9541-807C65424763}">
-  <ds:schemaRefs>
-    <ds:schemaRef ds:uri="http://schemas.microsoft.com/office/2006/metadata/properties"/>
-    <ds:schemaRef ds:uri="http://schemas.microsoft.com/office/infopath/2007/PartnerControls"/>
-    <ds:schemaRef ds:uri="71af3243-3dd4-4a8d-8c0d-dd76da1f02a5"/>
-  </ds:schemaRefs>
-</ds:datastoreItem>
+<file path=customXml/item2.xml><?xml version="1.0" encoding="utf-8"?>
+<p:properties xmlns:p="http://schemas.microsoft.com/office/2006/metadata/properties" xmlns:xsi="http://www.w3.org/2001/XMLSchema-instance" xmlns:pc="http://schemas.microsoft.com/office/infopath/2007/PartnerControls">
+  <documentManagement>
+    <MediaServiceKeyPoints xmlns="71af3243-3dd4-4a8d-8c0d-dd76da1f02a5" xsi:nil="true"/>
+  </documentManagement>
+</p:properties>
 </file>
 
-<file path=customXml/itemProps2.xml><?xml version="1.0" encoding="utf-8"?>
-<ds:datastoreItem xmlns:ds="http://schemas.openxmlformats.org/officeDocument/2006/customXml" ds:itemID="{4F44C90D-2A62-4985-9618-3460247437B1}">
-  <ds:schemaRefs>
-    <ds:schemaRef ds:uri="http://schemas.microsoft.com/sharepoint/v3/contenttype/forms"/>
-  </ds:schemaRefs>
-</ds:datastoreItem>
+<file path=customXml/item3.xml><?xml version="1.0" encoding="utf-8"?>
+<?mso-contentType ?>
+<FormTemplates xmlns="http://schemas.microsoft.com/sharepoint/v3/contenttype/forms">
+  <Display>DocumentLibraryForm</Display>
+  <Edit>DocumentLibraryForm</Edit>
+  <New>DocumentLibraryForm</New>
+</FormTemplates>
 </file>
 
-<file path=customXml/itemProps3.xml><?xml version="1.0" encoding="utf-8"?>
+<file path=customXml/itemProps1.xml><?xml version="1.0" encoding="utf-8"?>
 <ds:datastoreItem xmlns:ds="http://schemas.openxmlformats.org/officeDocument/2006/customXml" ds:itemID="{B61EAB5F-88FC-4FAE-AE3C-037A3C365EB8}">
   <ds:schemaRefs>
     <ds:schemaRef ds:uri="http://schemas.microsoft.com/office/2006/metadata/contentType"/>
@@ -22744,4 +23644,22 @@
     <ds:schemaRef ds:uri="http://schemas.microsoft.com/internal/obd"/>
   </ds:schemaRefs>
 </ds:datastoreItem>
+</file>
+
+<file path=customXml/itemProps2.xml><?xml version="1.0" encoding="utf-8"?>
+<ds:datastoreItem xmlns:ds="http://schemas.openxmlformats.org/officeDocument/2006/customXml" ds:itemID="{788A2F88-55C5-4ED1-9541-807C65424763}">
+  <ds:schemaRefs>
+    <ds:schemaRef ds:uri="http://schemas.microsoft.com/office/2006/metadata/properties"/>
+    <ds:schemaRef ds:uri="http://schemas.microsoft.com/office/infopath/2007/PartnerControls"/>
+    <ds:schemaRef ds:uri="71af3243-3dd4-4a8d-8c0d-dd76da1f02a5"/>
+  </ds:schemaRefs>
+</ds:datastoreItem>
+</file>
+
+<file path=customXml/itemProps3.xml><?xml version="1.0" encoding="utf-8"?>
+<ds:datastoreItem xmlns:ds="http://schemas.openxmlformats.org/officeDocument/2006/customXml" ds:itemID="{4F44C90D-2A62-4985-9618-3460247437B1}">
+  <ds:schemaRefs>
+    <ds:schemaRef ds:uri="http://schemas.microsoft.com/sharepoint/v3/contenttype/forms"/>
+  </ds:schemaRefs>
+</ds:datastoreItem>
 </file>
--- a/Prezentacija projekta/Prezentacija.pptx
+++ b/Prezentacija projekta/Prezentacija.pptx
@@ -5,7 +5,7 @@
     <p:sldMasterId id="2147483648" r:id="rId4"/>
   </p:sldMasterIdLst>
   <p:notesMasterIdLst>
-    <p:notesMasterId r:id="rId18"/>
+    <p:notesMasterId r:id="rId20"/>
   </p:notesMasterIdLst>
   <p:sldIdLst>
     <p:sldId id="256" r:id="rId5"/>
@@ -21,6 +21,8 @@
     <p:sldId id="287" r:id="rId15"/>
     <p:sldId id="289" r:id="rId16"/>
     <p:sldId id="290" r:id="rId17"/>
+    <p:sldId id="292" r:id="rId18"/>
+    <p:sldId id="291" r:id="rId19"/>
   </p:sldIdLst>
   <p:sldSz cx="12192000" cy="6858000"/>
   <p:notesSz cx="6858000" cy="9144000"/>
@@ -215,7 +217,7 @@
           <a:p>
             <a:fld id="{C452ADB1-275D-430A-89EE-5C7E6CFF6FF2}" type="datetimeFigureOut">
               <a:rPr lang="en-US" smtClean="0"/>
-              <a:t>6/29/2022</a:t>
+              <a:t>7/1/2022</a:t>
             </a:fld>
             <a:endParaRPr lang="en-US" dirty="0"/>
           </a:p>
@@ -9275,7 +9277,7 @@
           <a:p>
             <a:fld id="{7005E26E-BCB2-4FD5-8FD5-81A5EAE94C21}" type="datetime1">
               <a:rPr lang="en-US" smtClean="0"/>
-              <a:t>6/29/2022</a:t>
+              <a:t>7/1/2022</a:t>
             </a:fld>
             <a:endParaRPr lang="en-US" dirty="0"/>
           </a:p>
@@ -9477,7 +9479,7 @@
           <a:p>
             <a:fld id="{9CC2E9B8-0487-42E4-B571-744A3D775783}" type="datetime1">
               <a:rPr lang="en-US" smtClean="0"/>
-              <a:t>6/29/2022</a:t>
+              <a:t>7/1/2022</a:t>
             </a:fld>
             <a:endParaRPr lang="en-US" dirty="0"/>
           </a:p>
@@ -9652,7 +9654,7 @@
           <a:p>
             <a:fld id="{9052E32D-1E84-43FD-8158-FFFE757EB0E8}" type="datetime1">
               <a:rPr lang="en-US" smtClean="0"/>
-              <a:t>6/29/2022</a:t>
+              <a:t>7/1/2022</a:t>
             </a:fld>
             <a:endParaRPr lang="en-US" dirty="0"/>
           </a:p>
@@ -9852,7 +9854,7 @@
           <a:p>
             <a:fld id="{8585C470-CD19-455C-B830-6D252EAD7FE5}" type="datetime1">
               <a:rPr lang="en-US" smtClean="0"/>
-              <a:t>6/29/2022</a:t>
+              <a:t>7/1/2022</a:t>
             </a:fld>
             <a:endParaRPr lang="en-US" dirty="0"/>
           </a:p>
@@ -18745,7 +18747,7 @@
           <a:p>
             <a:fld id="{7F85C43C-50D9-4F49-A136-0EFF292F93ED}" type="datetime1">
               <a:rPr lang="en-US" smtClean="0"/>
-              <a:t>6/29/2022</a:t>
+              <a:t>7/1/2022</a:t>
             </a:fld>
             <a:endParaRPr lang="en-US" dirty="0"/>
           </a:p>
@@ -19014,7 +19016,7 @@
           <a:p>
             <a:fld id="{7B53B1A3-0AEF-4064-A724-D27D660C8653}" type="datetime1">
               <a:rPr lang="en-US" smtClean="0"/>
-              <a:t>6/29/2022</a:t>
+              <a:t>7/1/2022</a:t>
             </a:fld>
             <a:endParaRPr lang="en-US" dirty="0"/>
           </a:p>
@@ -19407,7 +19409,7 @@
           <a:p>
             <a:fld id="{37D5D0F2-BF66-4A24-9384-A0129B196518}" type="datetime1">
               <a:rPr lang="en-US" smtClean="0"/>
-              <a:t>6/29/2022</a:t>
+              <a:t>7/1/2022</a:t>
             </a:fld>
             <a:endParaRPr lang="en-US" dirty="0"/>
           </a:p>
@@ -19520,7 +19522,7 @@
           <a:p>
             <a:fld id="{8C318A6C-4F6B-48D2-BDB0-D7413B3FDB0A}" type="datetime1">
               <a:rPr lang="en-US" smtClean="0"/>
-              <a:t>6/29/2022</a:t>
+              <a:t>7/1/2022</a:t>
             </a:fld>
             <a:endParaRPr lang="en-US" dirty="0"/>
           </a:p>
@@ -19610,7 +19612,7 @@
           <a:p>
             <a:fld id="{BF01ECED-6ECE-4989-B917-9D4D7E6D3C76}" type="datetime1">
               <a:rPr lang="en-US" smtClean="0"/>
-              <a:t>6/29/2022</a:t>
+              <a:t>7/1/2022</a:t>
             </a:fld>
             <a:endParaRPr lang="en-US" dirty="0"/>
           </a:p>
@@ -19895,7 +19897,7 @@
           <a:p>
             <a:fld id="{E3B570E1-CB40-488E-8C6F-EF4211DFFCB0}" type="datetime1">
               <a:rPr lang="en-US" smtClean="0"/>
-              <a:t>6/29/2022</a:t>
+              <a:t>7/1/2022</a:t>
             </a:fld>
             <a:endParaRPr lang="en-US" dirty="0"/>
           </a:p>
@@ -20170,7 +20172,7 @@
           <a:p>
             <a:fld id="{D1CEB6AF-9F5C-43BE-879E-CB9514111250}" type="datetime1">
               <a:rPr lang="en-US" smtClean="0"/>
-              <a:t>6/29/2022</a:t>
+              <a:t>7/1/2022</a:t>
             </a:fld>
             <a:endParaRPr lang="en-US" dirty="0"/>
           </a:p>
@@ -20415,7 +20417,7 @@
           <a:p>
             <a:fld id="{E7EE424C-FCA3-4EDD-B274-8E055D649B7D}" type="datetime1">
               <a:rPr lang="en-US" smtClean="0"/>
-              <a:t>6/29/2022</a:t>
+              <a:t>7/1/2022</a:t>
             </a:fld>
             <a:endParaRPr lang="en-US" dirty="0"/>
           </a:p>
@@ -21645,6 +21647,240 @@
     <p:extLst>
       <p:ext uri="{BB962C8B-B14F-4D97-AF65-F5344CB8AC3E}">
         <p14:creationId xmlns:p14="http://schemas.microsoft.com/office/powerpoint/2010/main" val="464851320"/>
+      </p:ext>
+    </p:extLst>
+  </p:cSld>
+  <p:clrMapOvr>
+    <a:masterClrMapping/>
+  </p:clrMapOvr>
+</p:sld>
+</file>
+
+<file path=ppt/slides/slide14.xml><?xml version="1.0" encoding="utf-8"?>
+<p:sld xmlns:a="http://schemas.openxmlformats.org/drawingml/2006/main" xmlns:r="http://schemas.openxmlformats.org/officeDocument/2006/relationships" xmlns:p="http://schemas.openxmlformats.org/presentationml/2006/main">
+  <p:cSld>
+    <p:spTree>
+      <p:nvGrpSpPr>
+        <p:cNvPr id="1" name=""/>
+        <p:cNvGrpSpPr/>
+        <p:nvPr/>
+      </p:nvGrpSpPr>
+      <p:grpSpPr>
+        <a:xfrm>
+          <a:off x="0" y="0"/>
+          <a:ext cx="0" cy="0"/>
+          <a:chOff x="0" y="0"/>
+          <a:chExt cx="0" cy="0"/>
+        </a:xfrm>
+      </p:grpSpPr>
+      <p:sp>
+        <p:nvSpPr>
+          <p:cNvPr id="2" name="Title 1">
+            <a:extLst>
+              <a:ext uri="{FF2B5EF4-FFF2-40B4-BE49-F238E27FC236}">
+                <a16:creationId xmlns:a16="http://schemas.microsoft.com/office/drawing/2014/main" id="{84CA597B-78AE-4B6E-8168-6C7B63337A01}"/>
+              </a:ext>
+            </a:extLst>
+          </p:cNvPr>
+          <p:cNvSpPr>
+            <a:spLocks noGrp="1"/>
+          </p:cNvSpPr>
+          <p:nvPr>
+            <p:ph type="title"/>
+          </p:nvPr>
+        </p:nvSpPr>
+        <p:spPr/>
+        <p:txBody>
+          <a:bodyPr/>
+          <a:lstStyle/>
+          <a:p>
+            <a:r>
+              <a:rPr lang="en-US" dirty="0"/>
+              <a:t>GRAFANA</a:t>
+            </a:r>
+          </a:p>
+        </p:txBody>
+      </p:sp>
+      <p:pic>
+        <p:nvPicPr>
+          <p:cNvPr id="11" name="Content Placeholder 10">
+            <a:extLst>
+              <a:ext uri="{FF2B5EF4-FFF2-40B4-BE49-F238E27FC236}">
+                <a16:creationId xmlns:a16="http://schemas.microsoft.com/office/drawing/2014/main" id="{E95A78F7-3E89-4CD3-AAA5-E180F5D23E66}"/>
+              </a:ext>
+            </a:extLst>
+          </p:cNvPr>
+          <p:cNvPicPr>
+            <a:picLocks noGrp="1" noChangeAspect="1"/>
+          </p:cNvPicPr>
+          <p:nvPr>
+            <p:ph idx="1"/>
+          </p:nvPr>
+        </p:nvPicPr>
+        <p:blipFill rotWithShape="1">
+          <a:blip r:embed="rId2"/>
+          <a:srcRect r="9406"/>
+          <a:stretch/>
+        </p:blipFill>
+        <p:spPr>
+          <a:xfrm>
+            <a:off x="583928" y="3972758"/>
+            <a:ext cx="5221119" cy="2463553"/>
+          </a:xfrm>
+        </p:spPr>
+      </p:pic>
+      <p:pic>
+        <p:nvPicPr>
+          <p:cNvPr id="13" name="Picture 12">
+            <a:extLst>
+              <a:ext uri="{FF2B5EF4-FFF2-40B4-BE49-F238E27FC236}">
+                <a16:creationId xmlns:a16="http://schemas.microsoft.com/office/drawing/2014/main" id="{86DA7F6C-FE24-481E-AA34-0B07A562746A}"/>
+              </a:ext>
+            </a:extLst>
+          </p:cNvPr>
+          <p:cNvPicPr>
+            <a:picLocks noChangeAspect="1"/>
+          </p:cNvPicPr>
+          <p:nvPr/>
+        </p:nvPicPr>
+        <p:blipFill rotWithShape="1">
+          <a:blip r:embed="rId3"/>
+          <a:srcRect r="35263"/>
+          <a:stretch/>
+        </p:blipFill>
+        <p:spPr>
+          <a:xfrm>
+            <a:off x="3623887" y="585216"/>
+            <a:ext cx="4520553" cy="2941021"/>
+          </a:xfrm>
+          <a:prstGeom prst="rect">
+            <a:avLst/>
+          </a:prstGeom>
+        </p:spPr>
+      </p:pic>
+      <p:pic>
+        <p:nvPicPr>
+          <p:cNvPr id="15" name="Picture 14">
+            <a:extLst>
+              <a:ext uri="{FF2B5EF4-FFF2-40B4-BE49-F238E27FC236}">
+                <a16:creationId xmlns:a16="http://schemas.microsoft.com/office/drawing/2014/main" id="{E793849A-D42D-4665-BBB0-938CE5B98CAC}"/>
+              </a:ext>
+            </a:extLst>
+          </p:cNvPr>
+          <p:cNvPicPr>
+            <a:picLocks noChangeAspect="1"/>
+          </p:cNvPicPr>
+          <p:nvPr/>
+        </p:nvPicPr>
+        <p:blipFill rotWithShape="1">
+          <a:blip r:embed="rId4"/>
+          <a:srcRect r="29082"/>
+          <a:stretch/>
+        </p:blipFill>
+        <p:spPr>
+          <a:xfrm>
+            <a:off x="6834476" y="3604519"/>
+            <a:ext cx="4574184" cy="3200030"/>
+          </a:xfrm>
+          <a:prstGeom prst="rect">
+            <a:avLst/>
+          </a:prstGeom>
+        </p:spPr>
+      </p:pic>
+    </p:spTree>
+    <p:extLst>
+      <p:ext uri="{BB962C8B-B14F-4D97-AF65-F5344CB8AC3E}">
+        <p14:creationId xmlns:p14="http://schemas.microsoft.com/office/powerpoint/2010/main" val="157433656"/>
+      </p:ext>
+    </p:extLst>
+  </p:cSld>
+  <p:clrMapOvr>
+    <a:masterClrMapping/>
+  </p:clrMapOvr>
+</p:sld>
+</file>
+
+<file path=ppt/slides/slide15.xml><?xml version="1.0" encoding="utf-8"?>
+<p:sld xmlns:a="http://schemas.openxmlformats.org/drawingml/2006/main" xmlns:r="http://schemas.openxmlformats.org/officeDocument/2006/relationships" xmlns:p="http://schemas.openxmlformats.org/presentationml/2006/main">
+  <p:cSld>
+    <p:spTree>
+      <p:nvGrpSpPr>
+        <p:cNvPr id="1" name=""/>
+        <p:cNvGrpSpPr/>
+        <p:nvPr/>
+      </p:nvGrpSpPr>
+      <p:grpSpPr>
+        <a:xfrm>
+          <a:off x="0" y="0"/>
+          <a:ext cx="0" cy="0"/>
+          <a:chOff x="0" y="0"/>
+          <a:chExt cx="0" cy="0"/>
+        </a:xfrm>
+      </p:grpSpPr>
+      <p:sp>
+        <p:nvSpPr>
+          <p:cNvPr id="2" name="Title 1">
+            <a:extLst>
+              <a:ext uri="{FF2B5EF4-FFF2-40B4-BE49-F238E27FC236}">
+                <a16:creationId xmlns:a16="http://schemas.microsoft.com/office/drawing/2014/main" id="{4CA522BE-B753-42B0-BEF1-D7A91BAD79DF}"/>
+              </a:ext>
+            </a:extLst>
+          </p:cNvPr>
+          <p:cNvSpPr>
+            <a:spLocks noGrp="1"/>
+          </p:cNvSpPr>
+          <p:nvPr>
+            <p:ph type="title"/>
+          </p:nvPr>
+        </p:nvSpPr>
+        <p:spPr/>
+        <p:txBody>
+          <a:bodyPr/>
+          <a:lstStyle/>
+          <a:p>
+            <a:r>
+              <a:rPr lang="en-US" dirty="0"/>
+              <a:t>ARHITEKTURA PROJEKTA</a:t>
+            </a:r>
+          </a:p>
+        </p:txBody>
+      </p:sp>
+      <p:pic>
+        <p:nvPicPr>
+          <p:cNvPr id="4" name="Content Placeholder 3">
+            <a:extLst>
+              <a:ext uri="{FF2B5EF4-FFF2-40B4-BE49-F238E27FC236}">
+                <a16:creationId xmlns:a16="http://schemas.microsoft.com/office/drawing/2014/main" id="{866055D5-3598-4977-9690-23A091A54227}"/>
+              </a:ext>
+            </a:extLst>
+          </p:cNvPr>
+          <p:cNvPicPr>
+            <a:picLocks noGrp="1" noChangeAspect="1"/>
+          </p:cNvPicPr>
+          <p:nvPr>
+            <p:ph idx="1"/>
+          </p:nvPr>
+        </p:nvPicPr>
+        <p:blipFill>
+          <a:blip r:embed="rId2"/>
+          <a:stretch>
+            <a:fillRect/>
+          </a:stretch>
+        </p:blipFill>
+        <p:spPr>
+          <a:xfrm>
+            <a:off x="2603374" y="1873188"/>
+            <a:ext cx="7271545" cy="4416977"/>
+          </a:xfrm>
+          <a:prstGeom prst="rect">
+            <a:avLst/>
+          </a:prstGeom>
+        </p:spPr>
+      </p:pic>
+    </p:spTree>
+    <p:extLst>
+      <p:ext uri="{BB962C8B-B14F-4D97-AF65-F5344CB8AC3E}">
+        <p14:creationId xmlns:p14="http://schemas.microsoft.com/office/powerpoint/2010/main" val="3005879296"/>
       </p:ext>
     </p:extLst>
   </p:cSld>
@@ -23611,20 +23847,20 @@
 </file>
 
 <file path=customXml/item2.xml><?xml version="1.0" encoding="utf-8"?>
-<p:properties xmlns:p="http://schemas.microsoft.com/office/2006/metadata/properties" xmlns:xsi="http://www.w3.org/2001/XMLSchema-instance" xmlns:pc="http://schemas.microsoft.com/office/infopath/2007/PartnerControls">
-  <documentManagement>
-    <MediaServiceKeyPoints xmlns="71af3243-3dd4-4a8d-8c0d-dd76da1f02a5" xsi:nil="true"/>
-  </documentManagement>
-</p:properties>
-</file>
-
-<file path=customXml/item3.xml><?xml version="1.0" encoding="utf-8"?>
 <?mso-contentType ?>
 <FormTemplates xmlns="http://schemas.microsoft.com/sharepoint/v3/contenttype/forms">
   <Display>DocumentLibraryForm</Display>
   <Edit>DocumentLibraryForm</Edit>
   <New>DocumentLibraryForm</New>
 </FormTemplates>
+</file>
+
+<file path=customXml/item3.xml><?xml version="1.0" encoding="utf-8"?>
+<p:properties xmlns:p="http://schemas.microsoft.com/office/2006/metadata/properties" xmlns:xsi="http://www.w3.org/2001/XMLSchema-instance" xmlns:pc="http://schemas.microsoft.com/office/infopath/2007/PartnerControls">
+  <documentManagement>
+    <MediaServiceKeyPoints xmlns="71af3243-3dd4-4a8d-8c0d-dd76da1f02a5" xsi:nil="true"/>
+  </documentManagement>
+</p:properties>
 </file>
 
 <file path=customXml/itemProps1.xml><?xml version="1.0" encoding="utf-8"?>
@@ -23647,6 +23883,14 @@
 </file>
 
 <file path=customXml/itemProps2.xml><?xml version="1.0" encoding="utf-8"?>
+<ds:datastoreItem xmlns:ds="http://schemas.openxmlformats.org/officeDocument/2006/customXml" ds:itemID="{4F44C90D-2A62-4985-9618-3460247437B1}">
+  <ds:schemaRefs>
+    <ds:schemaRef ds:uri="http://schemas.microsoft.com/sharepoint/v3/contenttype/forms"/>
+  </ds:schemaRefs>
+</ds:datastoreItem>
+</file>
+
+<file path=customXml/itemProps3.xml><?xml version="1.0" encoding="utf-8"?>
 <ds:datastoreItem xmlns:ds="http://schemas.openxmlformats.org/officeDocument/2006/customXml" ds:itemID="{788A2F88-55C5-4ED1-9541-807C65424763}">
   <ds:schemaRefs>
     <ds:schemaRef ds:uri="http://schemas.microsoft.com/office/2006/metadata/properties"/>
@@ -23654,12 +23898,4 @@
     <ds:schemaRef ds:uri="71af3243-3dd4-4a8d-8c0d-dd76da1f02a5"/>
   </ds:schemaRefs>
 </ds:datastoreItem>
-</file>
-
-<file path=customXml/itemProps3.xml><?xml version="1.0" encoding="utf-8"?>
-<ds:datastoreItem xmlns:ds="http://schemas.openxmlformats.org/officeDocument/2006/customXml" ds:itemID="{4F44C90D-2A62-4985-9618-3460247437B1}">
-  <ds:schemaRefs>
-    <ds:schemaRef ds:uri="http://schemas.microsoft.com/sharepoint/v3/contenttype/forms"/>
-  </ds:schemaRefs>
-</ds:datastoreItem>
 </file>
--- a/Prezentacija projekta/Prezentacija.pptx
+++ b/Prezentacija projekta/Prezentacija.pptx
@@ -5,7 +5,7 @@
     <p:sldMasterId id="2147483648" r:id="rId4"/>
   </p:sldMasterIdLst>
   <p:notesMasterIdLst>
-    <p:notesMasterId r:id="rId20"/>
+    <p:notesMasterId r:id="rId21"/>
   </p:notesMasterIdLst>
   <p:sldIdLst>
     <p:sldId id="256" r:id="rId5"/>
@@ -21,8 +21,9 @@
     <p:sldId id="287" r:id="rId15"/>
     <p:sldId id="289" r:id="rId16"/>
     <p:sldId id="290" r:id="rId17"/>
-    <p:sldId id="292" r:id="rId18"/>
-    <p:sldId id="291" r:id="rId19"/>
+    <p:sldId id="293" r:id="rId18"/>
+    <p:sldId id="292" r:id="rId19"/>
+    <p:sldId id="291" r:id="rId20"/>
   </p:sldIdLst>
   <p:sldSz cx="12192000" cy="6858000"/>
   <p:notesSz cx="6858000" cy="9144000"/>
@@ -21591,7 +21592,7 @@
           <a:p>
             <a:r>
               <a:rPr lang="en-US" dirty="0"/>
-              <a:t>MIKROSERVISI</a:t>
+              <a:t>SERVISI</a:t>
             </a:r>
           </a:p>
         </p:txBody>
@@ -21612,11 +21613,90 @@
             <p:ph idx="1"/>
           </p:nvPr>
         </p:nvSpPr>
-        <p:spPr/>
+        <p:spPr>
+          <a:xfrm>
+            <a:off x="926474" y="1904259"/>
+            <a:ext cx="9720073" cy="4629705"/>
+          </a:xfrm>
+        </p:spPr>
         <p:txBody>
-          <a:bodyPr/>
+          <a:bodyPr>
+            <a:normAutofit/>
+          </a:bodyPr>
           <a:lstStyle/>
           <a:p>
+            <a:pPr>
+              <a:buFont typeface="Wingdings" panose="05000000000000000000" pitchFamily="2" charset="2"/>
+              <a:buChar char="Ø"/>
+            </a:pPr>
+            <a:r>
+              <a:rPr lang="sr-Latn-RS" dirty="0"/>
+              <a:t> Svi servisi </a:t>
+            </a:r>
+            <a:r>
+              <a:rPr lang="en-US" dirty="0"/>
+              <a:t>se </a:t>
+            </a:r>
+            <a:r>
+              <a:rPr lang="en-US" dirty="0" err="1"/>
+              <a:t>izvr</a:t>
+            </a:r>
+            <a:r>
+              <a:rPr lang="sr-Latn-RS" dirty="0"/>
+              <a:t>šavaju u kontejnerima</a:t>
+            </a:r>
+          </a:p>
+          <a:p>
+            <a:pPr>
+              <a:buFont typeface="Wingdings" panose="05000000000000000000" pitchFamily="2" charset="2"/>
+              <a:buChar char="Ø"/>
+            </a:pPr>
+            <a:r>
+              <a:rPr lang="en-US" i="1" dirty="0"/>
+              <a:t> Visualization</a:t>
+            </a:r>
+            <a:r>
+              <a:rPr lang="sr-Latn-RS" i="1" dirty="0"/>
+              <a:t>Service</a:t>
+            </a:r>
+            <a:r>
+              <a:rPr lang="sr-Latn-RS" dirty="0"/>
+              <a:t> je pisan u .NET Core framework-u</a:t>
+            </a:r>
+          </a:p>
+          <a:p>
+            <a:pPr>
+              <a:buFont typeface="Wingdings" panose="05000000000000000000" pitchFamily="2" charset="2"/>
+              <a:buChar char="Ø"/>
+            </a:pPr>
+            <a:r>
+              <a:rPr lang="en-US" i="1" dirty="0"/>
+              <a:t> </a:t>
+            </a:r>
+            <a:r>
+              <a:rPr lang="sr-Latn-RS" i="1" dirty="0"/>
+              <a:t>MonitoringService</a:t>
+            </a:r>
+            <a:r>
+              <a:rPr lang="sr-Latn-RS" dirty="0"/>
+              <a:t> je pisan u node.js framework-u</a:t>
+            </a:r>
+          </a:p>
+          <a:p>
+            <a:pPr>
+              <a:buFont typeface="Wingdings" panose="05000000000000000000" pitchFamily="2" charset="2"/>
+              <a:buChar char="Ø"/>
+            </a:pPr>
+            <a:r>
+              <a:rPr lang="sr-Latn-RS" dirty="0"/>
+              <a:t> Pomoćna aplikacija učitava senzorkse podatke o vazušnom pritisku, vlažnosti i temperaturi u Sofiji </a:t>
+            </a:r>
+            <a:r>
+              <a:rPr lang="sr-Latn-RS" dirty="0">
+                <a:hlinkClick r:id="rId2"/>
+              </a:rPr>
+              <a:t>(</a:t>
+            </a:r>
             <a:r>
               <a:rPr lang="en-US" dirty="0">
                 <a:hlinkClick r:id="rId2"/>
@@ -21624,21 +21704,221 @@
               <a:t>https://www.kaggle.com/datasets/hmavrodiev/sofia-air-quality-dataset?resource=download</a:t>
             </a:r>
             <a:r>
+              <a:rPr lang="sr-Latn-RS" dirty="0"/>
+              <a:t>)</a:t>
+            </a:r>
+          </a:p>
+          <a:p>
+            <a:pPr>
+              <a:buFont typeface="Wingdings" panose="05000000000000000000" pitchFamily="2" charset="2"/>
+              <a:buChar char="Ø"/>
+            </a:pPr>
+            <a:r>
+              <a:rPr lang="en-US" i="1" dirty="0"/>
+              <a:t>Visualization</a:t>
+            </a:r>
+            <a:r>
               <a:rPr lang="en-US" dirty="0"/>
               <a:t> </a:t>
             </a:r>
             <a:r>
               <a:rPr lang="en-US" dirty="0" err="1"/>
-              <a:t>senzorski</a:t>
+              <a:t>servis</a:t>
             </a:r>
             <a:r>
               <a:rPr lang="en-US" dirty="0"/>
               <a:t> </a:t>
             </a:r>
             <a:r>
-              <a:rPr lang="en-US"/>
-              <a:t>podacis</a:t>
-            </a:r>
+              <a:rPr lang="en-US" dirty="0" err="1"/>
+              <a:t>preko</a:t>
+            </a:r>
+            <a:r>
+              <a:rPr lang="en-US" dirty="0"/>
+              <a:t> MQTT </a:t>
+            </a:r>
+            <a:r>
+              <a:rPr lang="en-US" dirty="0" err="1"/>
+              <a:t>topica</a:t>
+            </a:r>
+            <a:r>
+              <a:rPr lang="en-US" dirty="0"/>
+              <a:t> “</a:t>
+            </a:r>
+            <a:r>
+              <a:rPr lang="en-US" dirty="0" err="1"/>
+              <a:t>edgex</a:t>
+            </a:r>
+            <a:r>
+              <a:rPr lang="en-US" dirty="0"/>
+              <a:t>-data” </a:t>
+            </a:r>
+            <a:r>
+              <a:rPr lang="en-US" dirty="0" err="1"/>
+              <a:t>dobija</a:t>
+            </a:r>
+            <a:r>
+              <a:rPr lang="en-US" dirty="0"/>
+              <a:t> </a:t>
+            </a:r>
+            <a:r>
+              <a:rPr lang="en-US" dirty="0" err="1"/>
+              <a:t>senzorske</a:t>
+            </a:r>
+            <a:r>
+              <a:rPr lang="en-US" dirty="0"/>
+              <a:t> </a:t>
+            </a:r>
+            <a:r>
+              <a:rPr lang="en-US" dirty="0" err="1"/>
+              <a:t>podatke</a:t>
+            </a:r>
+            <a:r>
+              <a:rPr lang="en-US" dirty="0"/>
+              <a:t> od </a:t>
+            </a:r>
+            <a:r>
+              <a:rPr lang="en-US" dirty="0" err="1"/>
+              <a:t>EdgeX</a:t>
+            </a:r>
+            <a:r>
+              <a:rPr lang="en-US" dirty="0"/>
+              <a:t>-a </a:t>
+            </a:r>
+            <a:r>
+              <a:rPr lang="en-US" dirty="0" err="1"/>
+              <a:t>i</a:t>
+            </a:r>
+            <a:r>
+              <a:rPr lang="en-US" dirty="0"/>
+              <a:t> </a:t>
+            </a:r>
+            <a:r>
+              <a:rPr lang="en-US" dirty="0" err="1"/>
+              <a:t>upisuje</a:t>
+            </a:r>
+            <a:r>
+              <a:rPr lang="en-US" dirty="0"/>
+              <a:t> </a:t>
+            </a:r>
+            <a:r>
+              <a:rPr lang="en-US" dirty="0" err="1"/>
+              <a:t>ih</a:t>
+            </a:r>
+            <a:r>
+              <a:rPr lang="en-US" dirty="0"/>
+              <a:t> u </a:t>
+            </a:r>
+            <a:r>
+              <a:rPr lang="en-US" dirty="0" err="1"/>
+              <a:t>InfluxDB</a:t>
+            </a:r>
+            <a:r>
+              <a:rPr lang="en-US" dirty="0"/>
+              <a:t> </a:t>
+            </a:r>
+            <a:r>
+              <a:rPr lang="en-US" dirty="0" err="1"/>
+              <a:t>bazu</a:t>
+            </a:r>
+            <a:r>
+              <a:rPr lang="en-US" dirty="0"/>
+              <a:t> </a:t>
+            </a:r>
+            <a:r>
+              <a:rPr lang="en-US" dirty="0" err="1"/>
+              <a:t>podataka</a:t>
+            </a:r>
+            <a:r>
+              <a:rPr lang="en-US" dirty="0"/>
+              <a:t>.</a:t>
+            </a:r>
+          </a:p>
+          <a:p>
+            <a:pPr>
+              <a:buFont typeface="Wingdings" panose="05000000000000000000" pitchFamily="2" charset="2"/>
+              <a:buChar char="Ø"/>
+            </a:pPr>
+            <a:r>
+              <a:rPr lang="sr-Latn-RS" dirty="0"/>
+              <a:t> </a:t>
+            </a:r>
+            <a:r>
+              <a:rPr lang="en-US" dirty="0" err="1"/>
+              <a:t>IndluxDB</a:t>
+            </a:r>
+            <a:r>
+              <a:rPr lang="en-US" dirty="0"/>
+              <a:t> je </a:t>
+            </a:r>
+            <a:r>
+              <a:rPr lang="en-US" dirty="0" err="1"/>
+              <a:t>izvor</a:t>
+            </a:r>
+            <a:r>
+              <a:rPr lang="en-US" dirty="0"/>
+              <a:t> </a:t>
+            </a:r>
+            <a:r>
+              <a:rPr lang="en-US" dirty="0" err="1"/>
+              <a:t>podataka</a:t>
+            </a:r>
+            <a:r>
+              <a:rPr lang="en-US" dirty="0"/>
+              <a:t> za </a:t>
+            </a:r>
+            <a:r>
+              <a:rPr lang="en-US" dirty="0" err="1"/>
+              <a:t>Grafanu</a:t>
+            </a:r>
+            <a:r>
+              <a:rPr lang="en-US" dirty="0"/>
+              <a:t>, </a:t>
+            </a:r>
+            <a:r>
+              <a:rPr lang="sr-Latn-RS" dirty="0"/>
+              <a:t>š</a:t>
+            </a:r>
+            <a:r>
+              <a:rPr lang="en-US" dirty="0"/>
+              <a:t>to je </a:t>
+            </a:r>
+            <a:r>
+              <a:rPr lang="en-US" dirty="0" err="1"/>
+              <a:t>konfigurisano</a:t>
+            </a:r>
+            <a:r>
+              <a:rPr lang="en-US" dirty="0"/>
+              <a:t> </a:t>
+            </a:r>
+            <a:r>
+              <a:rPr lang="en-US" dirty="0" err="1"/>
+              <a:t>automatski</a:t>
+            </a:r>
+            <a:r>
+              <a:rPr lang="en-US" dirty="0"/>
+              <a:t> </a:t>
+            </a:r>
+            <a:r>
+              <a:rPr lang="en-US" dirty="0" err="1"/>
+              <a:t>kori</a:t>
+            </a:r>
+            <a:r>
+              <a:rPr lang="sr-Latn-RS" dirty="0"/>
+              <a:t>šćenjem Grafana provisioning mehanizma.</a:t>
+            </a:r>
+          </a:p>
+          <a:p>
+            <a:pPr>
+              <a:buFont typeface="Wingdings" panose="05000000000000000000" pitchFamily="2" charset="2"/>
+              <a:buChar char="Ø"/>
+            </a:pPr>
+            <a:endParaRPr lang="en-US" dirty="0"/>
+          </a:p>
+          <a:p>
+            <a:pPr marL="0" indent="0">
+              <a:buNone/>
+            </a:pPr>
             <a:endParaRPr lang="en-US" dirty="0"/>
           </a:p>
         </p:txBody>
@@ -21678,6 +21958,235 @@
           <p:cNvPr id="2" name="Title 1">
             <a:extLst>
               <a:ext uri="{FF2B5EF4-FFF2-40B4-BE49-F238E27FC236}">
+                <a16:creationId xmlns:a16="http://schemas.microsoft.com/office/drawing/2014/main" id="{5DC0641E-3BD2-49C3-BCAA-929BAF56BF58}"/>
+              </a:ext>
+            </a:extLst>
+          </p:cNvPr>
+          <p:cNvSpPr>
+            <a:spLocks noGrp="1"/>
+          </p:cNvSpPr>
+          <p:nvPr>
+            <p:ph type="title"/>
+          </p:nvPr>
+        </p:nvSpPr>
+        <p:spPr/>
+        <p:txBody>
+          <a:bodyPr/>
+          <a:lstStyle/>
+          <a:p>
+            <a:r>
+              <a:rPr lang="sr-Latn-RS" dirty="0"/>
+              <a:t>SERVISI</a:t>
+            </a:r>
+            <a:endParaRPr lang="en-US" dirty="0"/>
+          </a:p>
+        </p:txBody>
+      </p:sp>
+      <p:sp>
+        <p:nvSpPr>
+          <p:cNvPr id="3" name="Content Placeholder 2">
+            <a:extLst>
+              <a:ext uri="{FF2B5EF4-FFF2-40B4-BE49-F238E27FC236}">
+                <a16:creationId xmlns:a16="http://schemas.microsoft.com/office/drawing/2014/main" id="{90E5DECD-6067-473F-8805-D1AD82E7756C}"/>
+              </a:ext>
+            </a:extLst>
+          </p:cNvPr>
+          <p:cNvSpPr>
+            <a:spLocks noGrp="1"/>
+          </p:cNvSpPr>
+          <p:nvPr>
+            <p:ph idx="1"/>
+          </p:nvPr>
+        </p:nvSpPr>
+        <p:spPr>
+          <a:xfrm>
+            <a:off x="1024128" y="1978655"/>
+            <a:ext cx="10303779" cy="4294129"/>
+          </a:xfrm>
+        </p:spPr>
+        <p:txBody>
+          <a:bodyPr>
+            <a:normAutofit fontScale="92500" lnSpcReduction="10000"/>
+          </a:bodyPr>
+          <a:lstStyle/>
+          <a:p>
+            <a:pPr>
+              <a:buFont typeface="Wingdings" panose="05000000000000000000" pitchFamily="2" charset="2"/>
+              <a:buChar char="Ø"/>
+            </a:pPr>
+            <a:r>
+              <a:rPr lang="sr-Latn-RS" dirty="0"/>
+              <a:t>Za pristup korisničkom interfejsu InfluxDB baze, pristupiti adresi </a:t>
+            </a:r>
+            <a:r>
+              <a:rPr lang="sr-Latn-RS" dirty="0">
+                <a:hlinkClick r:id="rId2"/>
+              </a:rPr>
+              <a:t>http://localhost:8086</a:t>
+            </a:r>
+            <a:r>
+              <a:rPr lang="sr-Latn-RS" dirty="0"/>
+              <a:t>, username: admin, password: adminadmin</a:t>
+            </a:r>
+          </a:p>
+          <a:p>
+            <a:pPr>
+              <a:buFont typeface="Wingdings" panose="05000000000000000000" pitchFamily="2" charset="2"/>
+              <a:buChar char="Ø"/>
+            </a:pPr>
+            <a:r>
+              <a:rPr lang="sr-Latn-RS" dirty="0"/>
+              <a:t>Za pristup grafani i dashboard-ovima pristupiti adresi </a:t>
+            </a:r>
+            <a:r>
+              <a:rPr lang="sr-Latn-RS" dirty="0">
+                <a:hlinkClick r:id="rId3"/>
+              </a:rPr>
+              <a:t>http://localhost:3005</a:t>
+            </a:r>
+            <a:r>
+              <a:rPr lang="sr-Latn-RS" dirty="0"/>
+              <a:t>, username: admin, password: admin</a:t>
+            </a:r>
+          </a:p>
+          <a:p>
+            <a:pPr>
+              <a:buFont typeface="Wingdings" panose="05000000000000000000" pitchFamily="2" charset="2"/>
+              <a:buChar char="Ø"/>
+            </a:pPr>
+            <a:r>
+              <a:rPr lang="sr-Latn-RS" i="1" dirty="0"/>
+              <a:t>Monitoring</a:t>
+            </a:r>
+            <a:r>
+              <a:rPr lang="sr-Latn-RS" dirty="0"/>
+              <a:t> servis prima podatke preko istog topica kao i </a:t>
+            </a:r>
+            <a:r>
+              <a:rPr lang="sr-Latn-RS" i="1" dirty="0"/>
+              <a:t>Visualizatio</a:t>
+            </a:r>
+            <a:r>
+              <a:rPr lang="sr-Latn-RS" dirty="0"/>
+              <a:t>n servis, a zatim analizira te podatke po određenoj logici i šalje komande EdgeX uređaju (u našem projektu uređaj je simuliran python aplikacijom „TestApp“).</a:t>
+            </a:r>
+          </a:p>
+          <a:p>
+            <a:pPr>
+              <a:buFont typeface="Wingdings" panose="05000000000000000000" pitchFamily="2" charset="2"/>
+              <a:buChar char="Ø"/>
+            </a:pPr>
+            <a:r>
+              <a:rPr lang="sr-Latn-RS" i="1" dirty="0"/>
+              <a:t>Monitoring</a:t>
+            </a:r>
+            <a:r>
+              <a:rPr lang="sr-Latn-RS" dirty="0"/>
+              <a:t> servis prati uzastopne vrednosti senzorskih podataka. Kada podaci pređu određeni prag (&lt;parametar&gt;_limit) šalje se komanda za „gašenje“ uređaja, što je simulirano promenom boje odgovarajućeg kvadrata u TestApp aplikaciji.</a:t>
+            </a:r>
+          </a:p>
+          <a:p>
+            <a:pPr>
+              <a:buFont typeface="Wingdings" panose="05000000000000000000" pitchFamily="2" charset="2"/>
+              <a:buChar char="Ø"/>
+            </a:pPr>
+            <a:r>
+              <a:rPr lang="sr-Latn-RS" i="1" dirty="0"/>
+              <a:t>Monitoring </a:t>
+            </a:r>
+            <a:r>
+              <a:rPr lang="sr-Latn-RS" dirty="0"/>
+              <a:t>servis preko svog REST API-a (</a:t>
+            </a:r>
+            <a:r>
+              <a:rPr lang="en-US" dirty="0"/>
+              <a:t>POST </a:t>
+            </a:r>
+            <a:r>
+              <a:rPr lang="sr-Latn-RS" dirty="0">
+                <a:hlinkClick r:id="rId4"/>
+              </a:rPr>
+              <a:t>http://localhost:3000/limits/&lt;parameterName</a:t>
+            </a:r>
+            <a:r>
+              <a:rPr lang="sr-Latn-RS" dirty="0"/>
+              <a:t>&gt;) prima nove vrednosti limita(</a:t>
+            </a:r>
+            <a:r>
+              <a:rPr lang="en-US" dirty="0"/>
+              <a:t>{“newLimit”:10}) za </a:t>
+            </a:r>
+            <a:r>
+              <a:rPr lang="en-US" dirty="0" err="1"/>
+              <a:t>posmatrane</a:t>
+            </a:r>
+            <a:r>
+              <a:rPr lang="en-US" dirty="0"/>
+              <a:t> </a:t>
+            </a:r>
+            <a:r>
+              <a:rPr lang="en-US" dirty="0" err="1"/>
+              <a:t>parametre</a:t>
+            </a:r>
+            <a:endParaRPr lang="sr-Latn-RS" dirty="0"/>
+          </a:p>
+          <a:p>
+            <a:pPr>
+              <a:buFont typeface="Wingdings" panose="05000000000000000000" pitchFamily="2" charset="2"/>
+              <a:buChar char="Ø"/>
+            </a:pPr>
+            <a:r>
+              <a:rPr lang="sr-Latn-RS" dirty="0"/>
+              <a:t>Korisnički interfejs aplikacije uređaja dostupan je na adresi </a:t>
+            </a:r>
+            <a:r>
+              <a:rPr lang="sr-Latn-RS" dirty="0">
+                <a:hlinkClick r:id="rId5"/>
+              </a:rPr>
+              <a:t>http://localhost:5000</a:t>
+            </a:r>
+            <a:r>
+              <a:rPr lang="sr-Latn-RS" dirty="0"/>
+              <a:t>.</a:t>
+            </a:r>
+          </a:p>
+        </p:txBody>
+      </p:sp>
+    </p:spTree>
+    <p:extLst>
+      <p:ext uri="{BB962C8B-B14F-4D97-AF65-F5344CB8AC3E}">
+        <p14:creationId xmlns:p14="http://schemas.microsoft.com/office/powerpoint/2010/main" val="2289543222"/>
+      </p:ext>
+    </p:extLst>
+  </p:cSld>
+  <p:clrMapOvr>
+    <a:masterClrMapping/>
+  </p:clrMapOvr>
+</p:sld>
+</file>
+
+<file path=ppt/slides/slide15.xml><?xml version="1.0" encoding="utf-8"?>
+<p:sld xmlns:a="http://schemas.openxmlformats.org/drawingml/2006/main" xmlns:r="http://schemas.openxmlformats.org/officeDocument/2006/relationships" xmlns:p="http://schemas.openxmlformats.org/presentationml/2006/main">
+  <p:cSld>
+    <p:spTree>
+      <p:nvGrpSpPr>
+        <p:cNvPr id="1" name=""/>
+        <p:cNvGrpSpPr/>
+        <p:nvPr/>
+      </p:nvGrpSpPr>
+      <p:grpSpPr>
+        <a:xfrm>
+          <a:off x="0" y="0"/>
+          <a:ext cx="0" cy="0"/>
+          <a:chOff x="0" y="0"/>
+          <a:chExt cx="0" cy="0"/>
+        </a:xfrm>
+      </p:grpSpPr>
+      <p:sp>
+        <p:nvSpPr>
+          <p:cNvPr id="2" name="Title 1">
+            <a:extLst>
+              <a:ext uri="{FF2B5EF4-FFF2-40B4-BE49-F238E27FC236}">
                 <a16:creationId xmlns:a16="http://schemas.microsoft.com/office/drawing/2014/main" id="{84CA597B-78AE-4B6E-8168-6C7B63337A01}"/>
               </a:ext>
             </a:extLst>
@@ -21724,7 +22233,7 @@
         </p:blipFill>
         <p:spPr>
           <a:xfrm>
-            <a:off x="583928" y="3972758"/>
+            <a:off x="1542717" y="3972757"/>
             <a:ext cx="5221119" cy="2463553"/>
           </a:xfrm>
         </p:spPr>
@@ -21750,7 +22259,7 @@
         </p:blipFill>
         <p:spPr>
           <a:xfrm>
-            <a:off x="3623887" y="585216"/>
+            <a:off x="4351856" y="614321"/>
             <a:ext cx="4520553" cy="2941021"/>
           </a:xfrm>
           <a:prstGeom prst="rect">
@@ -21779,7 +22288,7 @@
         </p:blipFill>
         <p:spPr>
           <a:xfrm>
-            <a:off x="6834476" y="3604519"/>
+            <a:off x="7038663" y="3604518"/>
             <a:ext cx="4574184" cy="3200030"/>
           </a:xfrm>
           <a:prstGeom prst="rect">
@@ -21800,7 +22309,7 @@
 </p:sld>
 </file>
 
-<file path=ppt/slides/slide15.xml><?xml version="1.0" encoding="utf-8"?>
+<file path=ppt/slides/slide16.xml><?xml version="1.0" encoding="utf-8"?>
 <p:sld xmlns:a="http://schemas.openxmlformats.org/drawingml/2006/main" xmlns:r="http://schemas.openxmlformats.org/officeDocument/2006/relationships" xmlns:p="http://schemas.openxmlformats.org/presentationml/2006/main">
   <p:cSld>
     <p:spTree>
@@ -21847,10 +22356,10 @@
       </p:sp>
       <p:pic>
         <p:nvPicPr>
-          <p:cNvPr id="4" name="Content Placeholder 3">
+          <p:cNvPr id="7" name="Content Placeholder 6">
             <a:extLst>
               <a:ext uri="{FF2B5EF4-FFF2-40B4-BE49-F238E27FC236}">
-                <a16:creationId xmlns:a16="http://schemas.microsoft.com/office/drawing/2014/main" id="{866055D5-3598-4977-9690-23A091A54227}"/>
+                <a16:creationId xmlns:a16="http://schemas.microsoft.com/office/drawing/2014/main" id="{A71DC94B-F335-427E-BC79-41B55E93696B}"/>
               </a:ext>
             </a:extLst>
           </p:cNvPr>
@@ -21869,12 +22378,9 @@
         </p:blipFill>
         <p:spPr>
           <a:xfrm>
-            <a:off x="2603374" y="1873188"/>
-            <a:ext cx="7271545" cy="4416977"/>
+            <a:off x="2545556" y="2084832"/>
+            <a:ext cx="7022560" cy="4217543"/>
           </a:xfrm>
-          <a:prstGeom prst="rect">
-            <a:avLst/>
-          </a:prstGeom>
         </p:spPr>
       </p:pic>
     </p:spTree>
@@ -21999,7 +22505,7 @@
           <a:p>
             <a:r>
               <a:rPr lang="sr-Latn-RS" dirty="0"/>
-              <a:t>Mikroservisi</a:t>
+              <a:t>servisi</a:t>
             </a:r>
             <a:endParaRPr lang="en-US" dirty="0"/>
           </a:p>
@@ -22032,7 +22538,7 @@
             </a:pPr>
             <a:r>
               <a:rPr lang="sr-Latn-RS" dirty="0"/>
-              <a:t>  Svi servisi </a:t>
+              <a:t> Svi servisi </a:t>
             </a:r>
             <a:r>
               <a:rPr lang="en-US" dirty="0"/>
@@ -22188,7 +22694,7 @@
           <a:p>
             <a:r>
               <a:rPr lang="sr-Latn-RS" dirty="0"/>
-              <a:t>MIKROSERVISI</a:t>
+              <a:t>SERVISI</a:t>
             </a:r>
             <a:endParaRPr lang="en-US" dirty="0"/>
           </a:p>
@@ -22225,12 +22731,21 @@
             </a:r>
             <a:r>
               <a:rPr lang="sr-Latn-RS" i="1" dirty="0"/>
-              <a:t>DatabaseService</a:t>
+              <a:t>Database</a:t>
+            </a:r>
+            <a:r>
+              <a:rPr lang="en-US" i="1" dirty="0"/>
+              <a:t> </a:t>
+            </a:r>
+            <a:r>
+              <a:rPr lang="en-US" dirty="0" err="1"/>
+              <a:t>servis</a:t>
             </a:r>
             <a:r>
               <a:rPr lang="sr-Latn-RS" dirty="0"/>
               <a:t> upisuje podatke u lokanu bazu podataka. Kao lokalna NoSQL baza korišćen je MongoDB.</a:t>
             </a:r>
+            <a:endParaRPr lang="en-US" dirty="0"/>
           </a:p>
           <a:p>
             <a:pPr>
@@ -22238,13 +22753,74 @@
               <a:buChar char="q"/>
             </a:pPr>
             <a:r>
-              <a:rPr lang="sr-Latn-RS" i="1" dirty="0"/>
-              <a:t> GetawayService </a:t>
-            </a:r>
-            <a:r>
-              <a:rPr lang="sr-Latn-RS" dirty="0"/>
-              <a:t>implementira CRUD operacije za vozače formule 1, straze i trke.</a:t>
-            </a:r>
+              <a:rPr lang="en-US" dirty="0"/>
+              <a:t> </a:t>
+            </a:r>
+            <a:r>
+              <a:rPr lang="en-US" i="1" dirty="0"/>
+              <a:t>Database</a:t>
+            </a:r>
+            <a:r>
+              <a:rPr lang="en-US" dirty="0"/>
+              <a:t> </a:t>
+            </a:r>
+            <a:r>
+              <a:rPr lang="en-US" dirty="0" err="1"/>
+              <a:t>servis</a:t>
+            </a:r>
+            <a:r>
+              <a:rPr lang="en-US" dirty="0"/>
+              <a:t> </a:t>
+            </a:r>
+            <a:r>
+              <a:rPr lang="en-US" dirty="0" err="1"/>
+              <a:t>ima</a:t>
+            </a:r>
+            <a:r>
+              <a:rPr lang="en-US" dirty="0"/>
+              <a:t> </a:t>
+            </a:r>
+            <a:r>
+              <a:rPr lang="en-US" dirty="0" err="1"/>
+              <a:t>svoj</a:t>
+            </a:r>
+            <a:r>
+              <a:rPr lang="en-US" dirty="0"/>
+              <a:t> REST API </a:t>
+            </a:r>
+            <a:r>
+              <a:rPr lang="en-US" dirty="0" err="1"/>
+              <a:t>preko</a:t>
+            </a:r>
+            <a:r>
+              <a:rPr lang="en-US" dirty="0"/>
+              <a:t> </a:t>
+            </a:r>
+            <a:r>
+              <a:rPr lang="en-US" dirty="0" err="1"/>
+              <a:t>kog</a:t>
+            </a:r>
+            <a:r>
+              <a:rPr lang="en-US" dirty="0"/>
+              <a:t> </a:t>
+            </a:r>
+            <a:r>
+              <a:rPr lang="en-US" dirty="0" err="1"/>
+              <a:t>pristupa</a:t>
+            </a:r>
+            <a:r>
+              <a:rPr lang="en-US" dirty="0"/>
+              <a:t> </a:t>
+            </a:r>
+            <a:r>
+              <a:rPr lang="en-US" dirty="0" err="1"/>
+              <a:t>bazi</a:t>
+            </a:r>
+            <a:r>
+              <a:rPr lang="en-US" dirty="0"/>
+              <a:t> (GET, POST, PUT, DELETE)</a:t>
+            </a:r>
+            <a:endParaRPr lang="sr-Latn-RS" dirty="0"/>
           </a:p>
           <a:p>
             <a:pPr>
@@ -22252,9 +22828,102 @@
               <a:buChar char="q"/>
             </a:pPr>
             <a:r>
+              <a:rPr lang="sr-Latn-RS" i="1" dirty="0"/>
+              <a:t> Getaway</a:t>
+            </a:r>
+            <a:r>
+              <a:rPr lang="en-US" i="1" dirty="0"/>
+              <a:t> </a:t>
+            </a:r>
+            <a:r>
+              <a:rPr lang="en-US" dirty="0" err="1"/>
+              <a:t>servis</a:t>
+            </a:r>
+            <a:r>
+              <a:rPr lang="sr-Latn-RS" i="1" dirty="0"/>
+              <a:t> </a:t>
+            </a:r>
+            <a:r>
               <a:rPr lang="sr-Latn-RS" dirty="0"/>
-              <a:t> Pristupa Database servisu i public API-ju i vraća integrisani odgovor o podacima koji su zahtevani.</a:t>
-            </a:r>
+              <a:t>implementira </a:t>
+            </a:r>
+            <a:r>
+              <a:rPr lang="en-US" dirty="0"/>
+              <a:t>REST API (</a:t>
+            </a:r>
+            <a:r>
+              <a:rPr lang="sr-Latn-RS" dirty="0"/>
+              <a:t>CRUD operacije za vozače formule 1, straze i trke</a:t>
+            </a:r>
+            <a:r>
+              <a:rPr lang="en-US" dirty="0"/>
+              <a:t>)</a:t>
+            </a:r>
+            <a:endParaRPr lang="sr-Latn-RS" dirty="0"/>
+          </a:p>
+          <a:p>
+            <a:pPr>
+              <a:buFont typeface="Wingdings" panose="05000000000000000000" pitchFamily="2" charset="2"/>
+              <a:buChar char="q"/>
+            </a:pPr>
+            <a:r>
+              <a:rPr lang="sr-Latn-RS" dirty="0"/>
+              <a:t> Pristupa </a:t>
+            </a:r>
+            <a:r>
+              <a:rPr lang="sr-Latn-RS" i="1" dirty="0"/>
+              <a:t>Database</a:t>
+            </a:r>
+            <a:r>
+              <a:rPr lang="sr-Latn-RS" dirty="0"/>
+              <a:t> servisu i public API-ju i vraća integrisani odgovor o podacima koji su zahtevani.</a:t>
+            </a:r>
+            <a:endParaRPr lang="en-US" dirty="0"/>
+          </a:p>
+          <a:p>
+            <a:pPr>
+              <a:buFont typeface="Wingdings" panose="05000000000000000000" pitchFamily="2" charset="2"/>
+              <a:buChar char="q"/>
+            </a:pPr>
+            <a:r>
+              <a:rPr lang="en-US" dirty="0"/>
+              <a:t> Swagger je </a:t>
+            </a:r>
+            <a:r>
+              <a:rPr lang="en-US" dirty="0" err="1"/>
+              <a:t>dostupan</a:t>
+            </a:r>
+            <a:r>
+              <a:rPr lang="en-US" dirty="0"/>
+              <a:t> </a:t>
+            </a:r>
+            <a:r>
+              <a:rPr lang="en-US" dirty="0" err="1"/>
+              <a:t>na</a:t>
+            </a:r>
+            <a:r>
+              <a:rPr lang="en-US" dirty="0"/>
+              <a:t> </a:t>
+            </a:r>
+            <a:r>
+              <a:rPr lang="en-US" dirty="0" err="1"/>
+              <a:t>adresi</a:t>
+            </a:r>
+            <a:r>
+              <a:rPr lang="en-US" dirty="0"/>
+              <a:t> </a:t>
+            </a:r>
+            <a:r>
+              <a:rPr lang="en-US" dirty="0">
+                <a:hlinkClick r:id="rId2"/>
+              </a:rPr>
+              <a:t>http://localhost:5000/swagger/index.html</a:t>
+            </a:r>
+            <a:r>
+              <a:rPr lang="en-US" dirty="0"/>
+              <a:t> </a:t>
+            </a:r>
+            <a:endParaRPr lang="sr-Latn-RS" dirty="0"/>
           </a:p>
           <a:p>
             <a:endParaRPr lang="en-US" dirty="0"/>
@@ -22806,10 +23475,15 @@
             <p:ph idx="1"/>
           </p:nvPr>
         </p:nvSpPr>
-        <p:spPr/>
+        <p:spPr>
+          <a:xfrm>
+            <a:off x="1024129" y="2175029"/>
+            <a:ext cx="9948672" cy="4134331"/>
+          </a:xfrm>
+        </p:spPr>
         <p:txBody>
           <a:bodyPr>
-            <a:normAutofit/>
+            <a:normAutofit lnSpcReduction="10000"/>
           </a:bodyPr>
           <a:lstStyle/>
           <a:p>
@@ -23054,6 +23728,109 @@
             <a:r>
               <a:rPr lang="sr-Latn-RS" dirty="0"/>
               <a:t> servisu</a:t>
+            </a:r>
+            <a:endParaRPr lang="en-US" dirty="0"/>
+          </a:p>
+          <a:p>
+            <a:pPr>
+              <a:buFont typeface="Wingdings" panose="05000000000000000000" pitchFamily="2" charset="2"/>
+              <a:buChar char="q"/>
+            </a:pPr>
+            <a:r>
+              <a:rPr lang="en-US" dirty="0"/>
+              <a:t> </a:t>
+            </a:r>
+            <a:r>
+              <a:rPr lang="sr-Latn-RS" i="1" dirty="0"/>
+              <a:t>Notification</a:t>
+            </a:r>
+            <a:r>
+              <a:rPr lang="en-US" i="1" dirty="0"/>
+              <a:t> </a:t>
+            </a:r>
+            <a:r>
+              <a:rPr lang="en-US" dirty="0" err="1"/>
+              <a:t>implementira</a:t>
+            </a:r>
+            <a:r>
+              <a:rPr lang="en-US" dirty="0"/>
+              <a:t> </a:t>
+            </a:r>
+            <a:r>
+              <a:rPr lang="en-US" dirty="0" err="1"/>
+              <a:t>gRPC</a:t>
+            </a:r>
+            <a:r>
+              <a:rPr lang="en-US" dirty="0"/>
+              <a:t> server </a:t>
+            </a:r>
+            <a:r>
+              <a:rPr lang="en-US" dirty="0" err="1"/>
+              <a:t>i</a:t>
+            </a:r>
+            <a:r>
+              <a:rPr lang="en-US" dirty="0"/>
+              <a:t> </a:t>
+            </a:r>
+            <a:r>
+              <a:rPr lang="en-US" dirty="0" err="1"/>
+              <a:t>medotu</a:t>
+            </a:r>
+            <a:r>
+              <a:rPr lang="en-US" dirty="0"/>
+              <a:t> notify() </a:t>
+            </a:r>
+            <a:r>
+              <a:rPr lang="en-US" dirty="0" err="1"/>
+              <a:t>koja</a:t>
+            </a:r>
+            <a:r>
+              <a:rPr lang="en-US" dirty="0"/>
+              <a:t> </a:t>
+            </a:r>
+            <a:r>
+              <a:rPr lang="en-US" dirty="0" err="1"/>
+              <a:t>loguje</a:t>
+            </a:r>
+            <a:r>
+              <a:rPr lang="en-US" dirty="0"/>
+              <a:t> </a:t>
+            </a:r>
+            <a:r>
+              <a:rPr lang="en-US" dirty="0" err="1"/>
+              <a:t>poruku</a:t>
+            </a:r>
+            <a:r>
+              <a:rPr lang="en-US" dirty="0"/>
+              <a:t> </a:t>
+            </a:r>
+            <a:r>
+              <a:rPr lang="en-US" dirty="0" err="1"/>
+              <a:t>sa</a:t>
+            </a:r>
+            <a:r>
+              <a:rPr lang="en-US" dirty="0"/>
+              <a:t> </a:t>
+            </a:r>
+            <a:r>
+              <a:rPr lang="en-US" dirty="0" err="1"/>
+              <a:t>informacijama</a:t>
+            </a:r>
+            <a:r>
+              <a:rPr lang="en-US" dirty="0"/>
+              <a:t> o </a:t>
+            </a:r>
+            <a:r>
+              <a:rPr lang="en-US" dirty="0" err="1"/>
+              <a:t>novom</a:t>
+            </a:r>
+            <a:r>
+              <a:rPr lang="en-US" dirty="0"/>
+              <a:t> </a:t>
+            </a:r>
+            <a:r>
+              <a:rPr lang="en-US" dirty="0" err="1"/>
+              <a:t>rekordu</a:t>
             </a:r>
             <a:endParaRPr lang="en-US" dirty="0"/>
           </a:p>
@@ -23636,6 +24413,15 @@
 </file>
 
 <file path=customXml/item1.xml><?xml version="1.0" encoding="utf-8"?>
+<?mso-contentType ?>
+<FormTemplates xmlns="http://schemas.microsoft.com/sharepoint/v3/contenttype/forms">
+  <Display>DocumentLibraryForm</Display>
+  <Edit>DocumentLibraryForm</Edit>
+  <New>DocumentLibraryForm</New>
+</FormTemplates>
+</file>
+
+<file path=customXml/item2.xml><?xml version="1.0" encoding="utf-8"?>
 <ct:contentTypeSchema xmlns:ct="http://schemas.microsoft.com/office/2006/metadata/contentType" xmlns:ma="http://schemas.microsoft.com/office/2006/metadata/properties/metaAttributes" ct:_="" ma:_="" ma:contentTypeName="Document" ma:contentTypeID="0x01010079F111ED35F8CC479449609E8A0923A6" ma:contentTypeVersion="11" ma:contentTypeDescription="Create a new document." ma:contentTypeScope="" ma:versionID="9677210f24a1be23c92c90fd886aa0aa">
   <xsd:schema xmlns:xsd="http://www.w3.org/2001/XMLSchema" xmlns:xs="http://www.w3.org/2001/XMLSchema" xmlns:p="http://schemas.microsoft.com/office/2006/metadata/properties" xmlns:ns2="71af3243-3dd4-4a8d-8c0d-dd76da1f02a5" xmlns:ns3="16c05727-aa75-4e4a-9b5f-8a80a1165891" targetNamespace="http://schemas.microsoft.com/office/2006/metadata/properties" ma:root="true" ma:fieldsID="60e05723c5c1908df1a1a4ebf11d344e" ns2:_="" ns3:_="">
     <xsd:import namespace="71af3243-3dd4-4a8d-8c0d-dd76da1f02a5"/>
@@ -23846,15 +24632,6 @@
 </ct:contentTypeSchema>
 </file>
 
-<file path=customXml/item2.xml><?xml version="1.0" encoding="utf-8"?>
-<?mso-contentType ?>
-<FormTemplates xmlns="http://schemas.microsoft.com/sharepoint/v3/contenttype/forms">
-  <Display>DocumentLibraryForm</Display>
-  <Edit>DocumentLibraryForm</Edit>
-  <New>DocumentLibraryForm</New>
-</FormTemplates>
-</file>
-
 <file path=customXml/item3.xml><?xml version="1.0" encoding="utf-8"?>
 <p:properties xmlns:p="http://schemas.microsoft.com/office/2006/metadata/properties" xmlns:xsi="http://www.w3.org/2001/XMLSchema-instance" xmlns:pc="http://schemas.microsoft.com/office/infopath/2007/PartnerControls">
   <documentManagement>
@@ -23864,6 +24641,14 @@
 </file>
 
 <file path=customXml/itemProps1.xml><?xml version="1.0" encoding="utf-8"?>
+<ds:datastoreItem xmlns:ds="http://schemas.openxmlformats.org/officeDocument/2006/customXml" ds:itemID="{4F44C90D-2A62-4985-9618-3460247437B1}">
+  <ds:schemaRefs>
+    <ds:schemaRef ds:uri="http://schemas.microsoft.com/sharepoint/v3/contenttype/forms"/>
+  </ds:schemaRefs>
+</ds:datastoreItem>
+</file>
+
+<file path=customXml/itemProps2.xml><?xml version="1.0" encoding="utf-8"?>
 <ds:datastoreItem xmlns:ds="http://schemas.openxmlformats.org/officeDocument/2006/customXml" ds:itemID="{B61EAB5F-88FC-4FAE-AE3C-037A3C365EB8}">
   <ds:schemaRefs>
     <ds:schemaRef ds:uri="http://schemas.microsoft.com/office/2006/metadata/contentType"/>
@@ -23882,14 +24667,6 @@
 </ds:datastoreItem>
 </file>
 
-<file path=customXml/itemProps2.xml><?xml version="1.0" encoding="utf-8"?>
-<ds:datastoreItem xmlns:ds="http://schemas.openxmlformats.org/officeDocument/2006/customXml" ds:itemID="{4F44C90D-2A62-4985-9618-3460247437B1}">
-  <ds:schemaRefs>
-    <ds:schemaRef ds:uri="http://schemas.microsoft.com/sharepoint/v3/contenttype/forms"/>
-  </ds:schemaRefs>
-</ds:datastoreItem>
-</file>
-
 <file path=customXml/itemProps3.xml><?xml version="1.0" encoding="utf-8"?>
 <ds:datastoreItem xmlns:ds="http://schemas.openxmlformats.org/officeDocument/2006/customXml" ds:itemID="{788A2F88-55C5-4ED1-9541-807C65424763}">
   <ds:schemaRefs>
